--- a/04.Numbers/3. Numbers .pptx
+++ b/04.Numbers/3. Numbers .pptx
@@ -1,29 +1,29 @@
 
 <file path=ppt/presentation.xml><?xml version="1.0" encoding="utf-8"?>
-<p:presentation xmlns:a="http://schemas.openxmlformats.org/drawingml/2006/main" xmlns:r="http://schemas.openxmlformats.org/officeDocument/2006/relationships" xmlns:p="http://schemas.openxmlformats.org/presentationml/2006/main" xmlns:m="http://schemas.openxmlformats.org/officeDocument/2006/math" xmlns:a14="http://schemas.microsoft.com/office/drawing/2010/main">
+<p:presentation xmlns:a="http://schemas.openxmlformats.org/drawingml/2006/main" xmlns:r="http://schemas.openxmlformats.org/officeDocument/2006/relationships" xmlns:p="http://schemas.openxmlformats.org/presentationml/2006/main">
   <p:sldMasterIdLst>
-    <p:sldMasterId id="2147483648" r:id="rId5"/>
+    <p:sldMasterId id="2147483648" r:id="rId1"/>
   </p:sldMasterIdLst>
   <p:notesMasterIdLst>
-    <p:notesMasterId r:id="rId7"/>
+    <p:notesMasterId r:id="rId16"/>
   </p:notesMasterIdLst>
   <p:sldIdLst>
-    <p:sldId id="256" r:id="rId8"/>
-    <p:sldId id="257" r:id="rId9"/>
-    <p:sldId id="258" r:id="rId10"/>
-    <p:sldId id="259" r:id="rId11"/>
-    <p:sldId id="260" r:id="rId12"/>
-    <p:sldId id="261" r:id="rId13"/>
-    <p:sldId id="262" r:id="rId14"/>
-    <p:sldId id="263" r:id="rId15"/>
-    <p:sldId id="264" r:id="rId16"/>
-    <p:sldId id="265" r:id="rId17"/>
-    <p:sldId id="266" r:id="rId18"/>
-    <p:sldId id="267" r:id="rId19"/>
-    <p:sldId id="268" r:id="rId20"/>
-    <p:sldId id="269" r:id="rId21"/>
+    <p:sldId id="256" r:id="rId2"/>
+    <p:sldId id="257" r:id="rId3"/>
+    <p:sldId id="258" r:id="rId4"/>
+    <p:sldId id="259" r:id="rId5"/>
+    <p:sldId id="260" r:id="rId6"/>
+    <p:sldId id="261" r:id="rId7"/>
+    <p:sldId id="262" r:id="rId8"/>
+    <p:sldId id="263" r:id="rId9"/>
+    <p:sldId id="264" r:id="rId10"/>
+    <p:sldId id="265" r:id="rId11"/>
+    <p:sldId id="266" r:id="rId12"/>
+    <p:sldId id="267" r:id="rId13"/>
+    <p:sldId id="268" r:id="rId14"/>
+    <p:sldId id="269" r:id="rId15"/>
   </p:sldIdLst>
-  <p:sldSz cx="9144000" cy="5143500"/>
+  <p:sldSz cx="9144000" cy="5143500" type="screen16x9"/>
   <p:notesSz cx="6858000" cy="9144000"/>
   <p:defaultTextStyle>
     <a:defPPr marL="0" marR="0" indent="0" algn="l" defTabSz="914400" rtl="0" fontAlgn="auto" latinLnBrk="1" hangingPunct="0">
@@ -41,7 +41,7 @@
       <a:buFontTx/>
       <a:buNone/>
       <a:tabLst/>
-      <a:defRPr b="0" baseline="0" cap="none" i="0" spc="0" strike="noStrike" sz="1800" u="none" kumimoji="0" normalizeH="0">
+      <a:defRPr kumimoji="0" sz="1800" b="0" i="0" u="none" strike="noStrike" cap="none" spc="0" normalizeH="0" baseline="0">
         <a:ln>
           <a:noFill/>
         </a:ln>
@@ -67,7 +67,7 @@
       <a:buFontTx/>
       <a:buNone/>
       <a:tabLst/>
-      <a:defRPr b="0" baseline="0" cap="none" i="0" spc="0" strike="noStrike" sz="1400" u="none" kumimoji="0" normalizeH="0">
+      <a:defRPr kumimoji="0" sz="1400" b="0" i="0" u="none" strike="noStrike" cap="none" spc="0" normalizeH="0" baseline="0">
         <a:ln>
           <a:noFill/>
         </a:ln>
@@ -97,7 +97,7 @@
       <a:buFontTx/>
       <a:buNone/>
       <a:tabLst/>
-      <a:defRPr b="0" baseline="0" cap="none" i="0" spc="0" strike="noStrike" sz="1400" u="none" kumimoji="0" normalizeH="0">
+      <a:defRPr kumimoji="0" sz="1400" b="0" i="0" u="none" strike="noStrike" cap="none" spc="0" normalizeH="0" baseline="0">
         <a:ln>
           <a:noFill/>
         </a:ln>
@@ -127,7 +127,7 @@
       <a:buFontTx/>
       <a:buNone/>
       <a:tabLst/>
-      <a:defRPr b="0" baseline="0" cap="none" i="0" spc="0" strike="noStrike" sz="1400" u="none" kumimoji="0" normalizeH="0">
+      <a:defRPr kumimoji="0" sz="1400" b="0" i="0" u="none" strike="noStrike" cap="none" spc="0" normalizeH="0" baseline="0">
         <a:ln>
           <a:noFill/>
         </a:ln>
@@ -157,7 +157,7 @@
       <a:buFontTx/>
       <a:buNone/>
       <a:tabLst/>
-      <a:defRPr b="0" baseline="0" cap="none" i="0" spc="0" strike="noStrike" sz="1400" u="none" kumimoji="0" normalizeH="0">
+      <a:defRPr kumimoji="0" sz="1400" b="0" i="0" u="none" strike="noStrike" cap="none" spc="0" normalizeH="0" baseline="0">
         <a:ln>
           <a:noFill/>
         </a:ln>
@@ -187,7 +187,7 @@
       <a:buFontTx/>
       <a:buNone/>
       <a:tabLst/>
-      <a:defRPr b="0" baseline="0" cap="none" i="0" spc="0" strike="noStrike" sz="1400" u="none" kumimoji="0" normalizeH="0">
+      <a:defRPr kumimoji="0" sz="1400" b="0" i="0" u="none" strike="noStrike" cap="none" spc="0" normalizeH="0" baseline="0">
         <a:ln>
           <a:noFill/>
         </a:ln>
@@ -217,7 +217,7 @@
       <a:buFontTx/>
       <a:buNone/>
       <a:tabLst/>
-      <a:defRPr b="0" baseline="0" cap="none" i="0" spc="0" strike="noStrike" sz="1400" u="none" kumimoji="0" normalizeH="0">
+      <a:defRPr kumimoji="0" sz="1400" b="0" i="0" u="none" strike="noStrike" cap="none" spc="0" normalizeH="0" baseline="0">
         <a:ln>
           <a:noFill/>
         </a:ln>
@@ -247,7 +247,7 @@
       <a:buFontTx/>
       <a:buNone/>
       <a:tabLst/>
-      <a:defRPr b="0" baseline="0" cap="none" i="0" spc="0" strike="noStrike" sz="1400" u="none" kumimoji="0" normalizeH="0">
+      <a:defRPr kumimoji="0" sz="1400" b="0" i="0" u="none" strike="noStrike" cap="none" spc="0" normalizeH="0" baseline="0">
         <a:ln>
           <a:noFill/>
         </a:ln>
@@ -277,7 +277,7 @@
       <a:buFontTx/>
       <a:buNone/>
       <a:tabLst/>
-      <a:defRPr b="0" baseline="0" cap="none" i="0" spc="0" strike="noStrike" sz="1400" u="none" kumimoji="0" normalizeH="0">
+      <a:defRPr kumimoji="0" sz="1400" b="0" i="0" u="none" strike="noStrike" cap="none" spc="0" normalizeH="0" baseline="0">
         <a:ln>
           <a:noFill/>
         </a:ln>
@@ -307,7 +307,7 @@
       <a:buFontTx/>
       <a:buNone/>
       <a:tabLst/>
-      <a:defRPr b="0" baseline="0" cap="none" i="0" spc="0" strike="noStrike" sz="1400" u="none" kumimoji="0" normalizeH="0">
+      <a:defRPr kumimoji="0" sz="1400" b="0" i="0" u="none" strike="noStrike" cap="none" spc="0" normalizeH="0" baseline="0">
         <a:ln>
           <a:noFill/>
         </a:ln>
@@ -326,13 +326,14 @@
 </p:presentation>
 </file>
 
-<file path=ppt/commentAuthors.xml><?xml version="1.0" encoding="utf-8"?>
-<p:cmAuthorLst xmlns:a="http://schemas.openxmlformats.org/drawingml/2006/main" xmlns:r="http://schemas.openxmlformats.org/officeDocument/2006/relationships" xmlns:p="http://schemas.openxmlformats.org/presentationml/2006/main" xmlns:m="http://schemas.openxmlformats.org/officeDocument/2006/math" xmlns:a14="http://schemas.microsoft.com/office/drawing/2010/main"/>
-</file>
-
 <file path=ppt/notesMasters/notesMaster1.xml><?xml version="1.0" encoding="utf-8"?>
-<p:notesMaster xmlns:a="http://schemas.openxmlformats.org/drawingml/2006/main" xmlns:r="http://schemas.openxmlformats.org/officeDocument/2006/relationships" xmlns:p="http://schemas.openxmlformats.org/presentationml/2006/main" xmlns:m="http://schemas.openxmlformats.org/officeDocument/2006/math" xmlns:a14="http://schemas.microsoft.com/office/drawing/2010/main">
+<p:notesMaster xmlns:a="http://schemas.openxmlformats.org/drawingml/2006/main" xmlns:r="http://schemas.openxmlformats.org/officeDocument/2006/relationships" xmlns:p="http://schemas.openxmlformats.org/presentationml/2006/main">
   <p:cSld>
+    <p:bg>
+      <p:bgRef idx="1001">
+        <a:schemeClr val="bg1"/>
+      </p:bgRef>
+    </p:bg>
     <p:spTree>
       <p:nvGrpSpPr>
         <p:cNvPr id="1" name=""/>
@@ -350,7 +351,9 @@
       <p:sp>
         <p:nvSpPr>
           <p:cNvPr id="113" name="Shape 113"/>
-          <p:cNvSpPr/>
+          <p:cNvSpPr>
+            <a:spLocks noGrp="1" noRot="1" noChangeAspect="1"/>
+          </p:cNvSpPr>
           <p:nvPr>
             <p:ph type="sldImg"/>
           </p:nvPr>
@@ -368,14 +371,16 @@
           <a:bodyPr/>
           <a:lstStyle/>
           <a:p>
-            <a:pPr/>
+            <a:endParaRPr/>
           </a:p>
         </p:txBody>
       </p:sp>
       <p:sp>
         <p:nvSpPr>
           <p:cNvPr id="114" name="Shape 114"/>
-          <p:cNvSpPr/>
+          <p:cNvSpPr>
+            <a:spLocks noGrp="1"/>
+          </p:cNvSpPr>
           <p:nvPr>
             <p:ph type="body" sz="quarter" idx="1"/>
           </p:nvPr>
@@ -393,7 +398,7 @@
           <a:bodyPr/>
           <a:lstStyle/>
           <a:p>
-            <a:pPr/>
+            <a:endParaRPr/>
           </a:p>
         </p:txBody>
       </p:sp>
@@ -478,13 +483,14 @@
 </file>
 
 <file path=ppt/slideLayouts/slideLayout1.xml><?xml version="1.0" encoding="utf-8"?>
-<p:sldLayout xmlns:a="http://schemas.openxmlformats.org/drawingml/2006/main" xmlns:r="http://schemas.openxmlformats.org/officeDocument/2006/relationships" xmlns:p="http://schemas.openxmlformats.org/presentationml/2006/main" xmlns:m="http://schemas.openxmlformats.org/officeDocument/2006/math" xmlns:a14="http://schemas.microsoft.com/office/drawing/2010/main" type="tx" showMasterSp="0" showMasterPhAnim="1">
+<p:sldLayout xmlns:a="http://schemas.openxmlformats.org/drawingml/2006/main" xmlns:r="http://schemas.openxmlformats.org/officeDocument/2006/relationships" xmlns:p="http://schemas.openxmlformats.org/presentationml/2006/main" showMasterSp="0" type="tx">
   <p:cSld name="SECTION_HEADER">
     <p:bg>
       <p:bgPr>
         <a:solidFill>
           <a:srgbClr val="1A9988"/>
         </a:solidFill>
+        <a:effectLst/>
       </p:bgPr>
     </p:bg>
     <p:spTree>
@@ -551,6 +557,7 @@
                   </a:solidFill>
                 </a:defRPr>
               </a:pPr>
+              <a:endParaRPr/>
             </a:p>
           </p:txBody>
         </p:sp>
@@ -590,6 +597,7 @@
                   </a:solidFill>
                 </a:defRPr>
               </a:pPr>
+              <a:endParaRPr/>
             </a:p>
           </p:txBody>
         </p:sp>
@@ -597,7 +605,9 @@
       <p:sp>
         <p:nvSpPr>
           <p:cNvPr id="18" name="Title Text"/>
-          <p:cNvSpPr txBox="1"/>
+          <p:cNvSpPr txBox="1">
+            <a:spLocks noGrp="1"/>
+          </p:cNvSpPr>
           <p:nvPr>
             <p:ph type="title"/>
           </p:nvPr>
@@ -623,7 +633,6 @@
             </a:lvl1pPr>
           </a:lstStyle>
           <a:p>
-            <a:pPr/>
             <a:r>
               <a:t>Title Text</a:t>
             </a:r>
@@ -633,7 +642,9 @@
       <p:sp>
         <p:nvSpPr>
           <p:cNvPr id="19" name="Slide Number"/>
-          <p:cNvSpPr txBox="1"/>
+          <p:cNvSpPr txBox="1">
+            <a:spLocks noGrp="1"/>
+          </p:cNvSpPr>
           <p:nvPr>
             <p:ph type="sldNum" sz="quarter" idx="2"/>
           </p:nvPr>
@@ -655,8 +666,12 @@
             </a:lvl1pPr>
           </a:lstStyle>
           <a:p>
-            <a:pPr/>
-            <a:fld id="{86CB4B4D-7CA3-9044-876B-883B54F8677D}" type="slidenum"/>
+            <a:fld id="{86CB4B4D-7CA3-9044-876B-883B54F8677D}" type="slidenum">
+              <a:rPr/>
+              <a:pPr/>
+              <a:t>‹#›</a:t>
+            </a:fld>
+            <a:endParaRPr/>
           </a:p>
         </p:txBody>
       </p:sp>
@@ -665,12 +680,12 @@
   <p:clrMapOvr>
     <a:masterClrMapping/>
   </p:clrMapOvr>
-  <p:transition xmlns:p14="http://schemas.microsoft.com/office/powerpoint/2010/main" spd="med" advClick="1"/>
+  <p:transition spd="med"/>
 </p:sldLayout>
 </file>
 
 <file path=ppt/slideLayouts/slideLayout10.xml><?xml version="1.0" encoding="utf-8"?>
-<p:sldLayout xmlns:a="http://schemas.openxmlformats.org/drawingml/2006/main" xmlns:r="http://schemas.openxmlformats.org/officeDocument/2006/relationships" xmlns:p="http://schemas.openxmlformats.org/presentationml/2006/main" xmlns:m="http://schemas.openxmlformats.org/officeDocument/2006/math" xmlns:a14="http://schemas.microsoft.com/office/drawing/2010/main" type="tx" showMasterSp="0" showMasterPhAnim="1">
+<p:sldLayout xmlns:a="http://schemas.openxmlformats.org/drawingml/2006/main" xmlns:r="http://schemas.openxmlformats.org/officeDocument/2006/relationships" xmlns:p="http://schemas.openxmlformats.org/presentationml/2006/main" showMasterSp="0" type="tx">
   <p:cSld name="BLANK">
     <p:spTree>
       <p:nvGrpSpPr>
@@ -689,7 +704,9 @@
       <p:sp>
         <p:nvSpPr>
           <p:cNvPr id="107" name="Slide Number"/>
-          <p:cNvSpPr txBox="1"/>
+          <p:cNvSpPr txBox="1">
+            <a:spLocks noGrp="1"/>
+          </p:cNvSpPr>
           <p:nvPr>
             <p:ph type="sldNum" sz="quarter" idx="2"/>
           </p:nvPr>
@@ -703,8 +720,12 @@
           <a:bodyPr/>
           <a:lstStyle/>
           <a:p>
-            <a:pPr/>
-            <a:fld id="{86CB4B4D-7CA3-9044-876B-883B54F8677D}" type="slidenum"/>
+            <a:fld id="{86CB4B4D-7CA3-9044-876B-883B54F8677D}" type="slidenum">
+              <a:rPr/>
+              <a:pPr/>
+              <a:t>‹#›</a:t>
+            </a:fld>
+            <a:endParaRPr/>
           </a:p>
         </p:txBody>
       </p:sp>
@@ -713,12 +734,12 @@
   <p:clrMapOvr>
     <a:masterClrMapping/>
   </p:clrMapOvr>
-  <p:transition xmlns:p14="http://schemas.microsoft.com/office/powerpoint/2010/main" spd="med" advClick="1"/>
+  <p:transition spd="med"/>
 </p:sldLayout>
 </file>
 
 <file path=ppt/slideLayouts/slideLayout2.xml><?xml version="1.0" encoding="utf-8"?>
-<p:sldLayout xmlns:a="http://schemas.openxmlformats.org/drawingml/2006/main" xmlns:r="http://schemas.openxmlformats.org/officeDocument/2006/relationships" xmlns:p="http://schemas.openxmlformats.org/presentationml/2006/main" xmlns:m="http://schemas.openxmlformats.org/officeDocument/2006/math" xmlns:a14="http://schemas.microsoft.com/office/drawing/2010/main" type="tx" showMasterSp="1" showMasterPhAnim="1">
+<p:sldLayout xmlns:a="http://schemas.openxmlformats.org/drawingml/2006/main" xmlns:r="http://schemas.openxmlformats.org/officeDocument/2006/relationships" xmlns:p="http://schemas.openxmlformats.org/presentationml/2006/main" type="tx">
   <p:cSld name="TITLE_AND_BODY">
     <p:spTree>
       <p:nvGrpSpPr>
@@ -737,7 +758,9 @@
       <p:sp>
         <p:nvSpPr>
           <p:cNvPr id="26" name="Title Text"/>
-          <p:cNvSpPr txBox="1"/>
+          <p:cNvSpPr txBox="1">
+            <a:spLocks noGrp="1"/>
+          </p:cNvSpPr>
           <p:nvPr>
             <p:ph type="title"/>
           </p:nvPr>
@@ -751,7 +774,6 @@
           <a:bodyPr/>
           <a:lstStyle/>
           <a:p>
-            <a:pPr/>
             <a:r>
               <a:t>Title Text</a:t>
             </a:r>
@@ -761,7 +783,9 @@
       <p:sp>
         <p:nvSpPr>
           <p:cNvPr id="27" name="Body Level One…"/>
-          <p:cNvSpPr txBox="1"/>
+          <p:cNvSpPr txBox="1">
+            <a:spLocks noGrp="1"/>
+          </p:cNvSpPr>
           <p:nvPr>
             <p:ph type="body" sz="half" idx="1"/>
           </p:nvPr>
@@ -775,7 +799,6 @@
           <a:bodyPr/>
           <a:lstStyle/>
           <a:p>
-            <a:pPr/>
             <a:r>
               <a:t>Body Level One</a:t>
             </a:r>
@@ -809,7 +832,9 @@
       <p:sp>
         <p:nvSpPr>
           <p:cNvPr id="28" name="Slide Number"/>
-          <p:cNvSpPr txBox="1"/>
+          <p:cNvSpPr txBox="1">
+            <a:spLocks noGrp="1"/>
+          </p:cNvSpPr>
           <p:nvPr>
             <p:ph type="sldNum" sz="quarter" idx="2"/>
           </p:nvPr>
@@ -823,8 +848,12 @@
           <a:bodyPr/>
           <a:lstStyle/>
           <a:p>
-            <a:pPr/>
-            <a:fld id="{86CB4B4D-7CA3-9044-876B-883B54F8677D}" type="slidenum"/>
+            <a:fld id="{86CB4B4D-7CA3-9044-876B-883B54F8677D}" type="slidenum">
+              <a:rPr/>
+              <a:pPr/>
+              <a:t>‹#›</a:t>
+            </a:fld>
+            <a:endParaRPr/>
           </a:p>
         </p:txBody>
       </p:sp>
@@ -833,12 +862,12 @@
   <p:clrMapOvr>
     <a:masterClrMapping/>
   </p:clrMapOvr>
-  <p:transition xmlns:p14="http://schemas.microsoft.com/office/powerpoint/2010/main" spd="med" advClick="1"/>
+  <p:transition spd="med"/>
 </p:sldLayout>
 </file>
 
 <file path=ppt/slideLayouts/slideLayout3.xml><?xml version="1.0" encoding="utf-8"?>
-<p:sldLayout xmlns:a="http://schemas.openxmlformats.org/drawingml/2006/main" xmlns:r="http://schemas.openxmlformats.org/officeDocument/2006/relationships" xmlns:p="http://schemas.openxmlformats.org/presentationml/2006/main" xmlns:m="http://schemas.openxmlformats.org/officeDocument/2006/math" xmlns:a14="http://schemas.microsoft.com/office/drawing/2010/main" type="tx" showMasterSp="1" showMasterPhAnim="1">
+<p:sldLayout xmlns:a="http://schemas.openxmlformats.org/drawingml/2006/main" xmlns:r="http://schemas.openxmlformats.org/officeDocument/2006/relationships" xmlns:p="http://schemas.openxmlformats.org/presentationml/2006/main" type="tx">
   <p:cSld name="TITLE_AND_TWO_COLUMNS">
     <p:spTree>
       <p:nvGrpSpPr>
@@ -857,7 +886,9 @@
       <p:sp>
         <p:nvSpPr>
           <p:cNvPr id="35" name="Title Text"/>
-          <p:cNvSpPr txBox="1"/>
+          <p:cNvSpPr txBox="1">
+            <a:spLocks noGrp="1"/>
+          </p:cNvSpPr>
           <p:nvPr>
             <p:ph type="title"/>
           </p:nvPr>
@@ -875,7 +906,6 @@
           <a:bodyPr/>
           <a:lstStyle/>
           <a:p>
-            <a:pPr/>
             <a:r>
               <a:t>Title Text</a:t>
             </a:r>
@@ -885,7 +915,9 @@
       <p:sp>
         <p:nvSpPr>
           <p:cNvPr id="36" name="Body Level One…"/>
-          <p:cNvSpPr txBox="1"/>
+          <p:cNvSpPr txBox="1">
+            <a:spLocks noGrp="1"/>
+          </p:cNvSpPr>
           <p:nvPr>
             <p:ph type="body" sz="quarter" idx="1"/>
           </p:nvPr>
@@ -903,7 +935,6 @@
           <a:bodyPr/>
           <a:lstStyle/>
           <a:p>
-            <a:pPr/>
             <a:r>
               <a:t>Body Level One</a:t>
             </a:r>
@@ -937,7 +968,9 @@
       <p:sp>
         <p:nvSpPr>
           <p:cNvPr id="37" name="Google Shape;38;p5"/>
-          <p:cNvSpPr txBox="1"/>
+          <p:cNvSpPr txBox="1">
+            <a:spLocks noGrp="1"/>
+          </p:cNvSpPr>
           <p:nvPr>
             <p:ph type="body" sz="quarter" idx="13"/>
           </p:nvPr>
@@ -955,14 +988,16 @@
           <a:bodyPr/>
           <a:lstStyle/>
           <a:p>
-            <a:pPr/>
+            <a:endParaRPr/>
           </a:p>
         </p:txBody>
       </p:sp>
       <p:sp>
         <p:nvSpPr>
           <p:cNvPr id="38" name="Slide Number"/>
-          <p:cNvSpPr txBox="1"/>
+          <p:cNvSpPr txBox="1">
+            <a:spLocks noGrp="1"/>
+          </p:cNvSpPr>
           <p:nvPr>
             <p:ph type="sldNum" sz="quarter" idx="2"/>
           </p:nvPr>
@@ -976,8 +1011,12 @@
           <a:bodyPr/>
           <a:lstStyle/>
           <a:p>
-            <a:pPr/>
-            <a:fld id="{86CB4B4D-7CA3-9044-876B-883B54F8677D}" type="slidenum"/>
+            <a:fld id="{86CB4B4D-7CA3-9044-876B-883B54F8677D}" type="slidenum">
+              <a:rPr/>
+              <a:pPr/>
+              <a:t>‹#›</a:t>
+            </a:fld>
+            <a:endParaRPr/>
           </a:p>
         </p:txBody>
       </p:sp>
@@ -986,12 +1025,12 @@
   <p:clrMapOvr>
     <a:masterClrMapping/>
   </p:clrMapOvr>
-  <p:transition xmlns:p14="http://schemas.microsoft.com/office/powerpoint/2010/main" spd="med" advClick="1"/>
+  <p:transition spd="med"/>
 </p:sldLayout>
 </file>
 
 <file path=ppt/slideLayouts/slideLayout4.xml><?xml version="1.0" encoding="utf-8"?>
-<p:sldLayout xmlns:a="http://schemas.openxmlformats.org/drawingml/2006/main" xmlns:r="http://schemas.openxmlformats.org/officeDocument/2006/relationships" xmlns:p="http://schemas.openxmlformats.org/presentationml/2006/main" xmlns:m="http://schemas.openxmlformats.org/officeDocument/2006/math" xmlns:a14="http://schemas.microsoft.com/office/drawing/2010/main" type="tx" showMasterSp="1" showMasterPhAnim="1">
+<p:sldLayout xmlns:a="http://schemas.openxmlformats.org/drawingml/2006/main" xmlns:r="http://schemas.openxmlformats.org/officeDocument/2006/relationships" xmlns:p="http://schemas.openxmlformats.org/presentationml/2006/main" type="tx">
   <p:cSld name="TITLE_ONLY">
     <p:spTree>
       <p:nvGrpSpPr>
@@ -1010,7 +1049,9 @@
       <p:sp>
         <p:nvSpPr>
           <p:cNvPr id="45" name="Title Text"/>
-          <p:cNvSpPr txBox="1"/>
+          <p:cNvSpPr txBox="1">
+            <a:spLocks noGrp="1"/>
+          </p:cNvSpPr>
           <p:nvPr>
             <p:ph type="title"/>
           </p:nvPr>
@@ -1028,7 +1069,6 @@
           <a:bodyPr/>
           <a:lstStyle/>
           <a:p>
-            <a:pPr/>
             <a:r>
               <a:t>Title Text</a:t>
             </a:r>
@@ -1038,7 +1078,9 @@
       <p:sp>
         <p:nvSpPr>
           <p:cNvPr id="46" name="Slide Number"/>
-          <p:cNvSpPr txBox="1"/>
+          <p:cNvSpPr txBox="1">
+            <a:spLocks noGrp="1"/>
+          </p:cNvSpPr>
           <p:nvPr>
             <p:ph type="sldNum" sz="quarter" idx="2"/>
           </p:nvPr>
@@ -1052,8 +1094,12 @@
           <a:bodyPr/>
           <a:lstStyle/>
           <a:p>
-            <a:pPr/>
-            <a:fld id="{86CB4B4D-7CA3-9044-876B-883B54F8677D}" type="slidenum"/>
+            <a:fld id="{86CB4B4D-7CA3-9044-876B-883B54F8677D}" type="slidenum">
+              <a:rPr/>
+              <a:pPr/>
+              <a:t>‹#›</a:t>
+            </a:fld>
+            <a:endParaRPr/>
           </a:p>
         </p:txBody>
       </p:sp>
@@ -1062,12 +1108,12 @@
   <p:clrMapOvr>
     <a:masterClrMapping/>
   </p:clrMapOvr>
-  <p:transition xmlns:p14="http://schemas.microsoft.com/office/powerpoint/2010/main" spd="med" advClick="1"/>
+  <p:transition spd="med"/>
 </p:sldLayout>
 </file>
 
 <file path=ppt/slideLayouts/slideLayout5.xml><?xml version="1.0" encoding="utf-8"?>
-<p:sldLayout xmlns:a="http://schemas.openxmlformats.org/drawingml/2006/main" xmlns:r="http://schemas.openxmlformats.org/officeDocument/2006/relationships" xmlns:p="http://schemas.openxmlformats.org/presentationml/2006/main" xmlns:m="http://schemas.openxmlformats.org/officeDocument/2006/math" xmlns:a14="http://schemas.microsoft.com/office/drawing/2010/main" type="tx" showMasterSp="1" showMasterPhAnim="1">
+<p:sldLayout xmlns:a="http://schemas.openxmlformats.org/drawingml/2006/main" xmlns:r="http://schemas.openxmlformats.org/officeDocument/2006/relationships" xmlns:p="http://schemas.openxmlformats.org/presentationml/2006/main" type="tx">
   <p:cSld name="ONE_COLUMN_TEXT">
     <p:spTree>
       <p:nvGrpSpPr>
@@ -1086,7 +1132,9 @@
       <p:sp>
         <p:nvSpPr>
           <p:cNvPr id="53" name="Title Text"/>
-          <p:cNvSpPr txBox="1"/>
+          <p:cNvSpPr txBox="1">
+            <a:spLocks noGrp="1"/>
+          </p:cNvSpPr>
           <p:nvPr>
             <p:ph type="title"/>
           </p:nvPr>
@@ -1104,7 +1152,6 @@
           <a:bodyPr/>
           <a:lstStyle/>
           <a:p>
-            <a:pPr/>
             <a:r>
               <a:t>Title Text</a:t>
             </a:r>
@@ -1114,7 +1161,9 @@
       <p:sp>
         <p:nvSpPr>
           <p:cNvPr id="54" name="Body Level One…"/>
-          <p:cNvSpPr txBox="1"/>
+          <p:cNvSpPr txBox="1">
+            <a:spLocks noGrp="1"/>
+          </p:cNvSpPr>
           <p:nvPr>
             <p:ph type="body" sz="quarter" idx="1"/>
           </p:nvPr>
@@ -1132,7 +1181,6 @@
           <a:bodyPr/>
           <a:lstStyle/>
           <a:p>
-            <a:pPr/>
             <a:r>
               <a:t>Body Level One</a:t>
             </a:r>
@@ -1166,7 +1214,9 @@
       <p:sp>
         <p:nvSpPr>
           <p:cNvPr id="55" name="Slide Number"/>
-          <p:cNvSpPr txBox="1"/>
+          <p:cNvSpPr txBox="1">
+            <a:spLocks noGrp="1"/>
+          </p:cNvSpPr>
           <p:nvPr>
             <p:ph type="sldNum" sz="quarter" idx="2"/>
           </p:nvPr>
@@ -1180,8 +1230,12 @@
           <a:bodyPr/>
           <a:lstStyle/>
           <a:p>
-            <a:pPr/>
-            <a:fld id="{86CB4B4D-7CA3-9044-876B-883B54F8677D}" type="slidenum"/>
+            <a:fld id="{86CB4B4D-7CA3-9044-876B-883B54F8677D}" type="slidenum">
+              <a:rPr/>
+              <a:pPr/>
+              <a:t>‹#›</a:t>
+            </a:fld>
+            <a:endParaRPr/>
           </a:p>
         </p:txBody>
       </p:sp>
@@ -1190,18 +1244,19 @@
   <p:clrMapOvr>
     <a:masterClrMapping/>
   </p:clrMapOvr>
-  <p:transition xmlns:p14="http://schemas.microsoft.com/office/powerpoint/2010/main" spd="med" advClick="1"/>
+  <p:transition spd="med"/>
 </p:sldLayout>
 </file>
 
 <file path=ppt/slideLayouts/slideLayout6.xml><?xml version="1.0" encoding="utf-8"?>
-<p:sldLayout xmlns:a="http://schemas.openxmlformats.org/drawingml/2006/main" xmlns:r="http://schemas.openxmlformats.org/officeDocument/2006/relationships" xmlns:p="http://schemas.openxmlformats.org/presentationml/2006/main" xmlns:m="http://schemas.openxmlformats.org/officeDocument/2006/math" xmlns:a14="http://schemas.microsoft.com/office/drawing/2010/main" type="tx" showMasterSp="0" showMasterPhAnim="1">
+<p:sldLayout xmlns:a="http://schemas.openxmlformats.org/drawingml/2006/main" xmlns:r="http://schemas.openxmlformats.org/officeDocument/2006/relationships" xmlns:p="http://schemas.openxmlformats.org/presentationml/2006/main" showMasterSp="0" type="tx">
   <p:cSld name="MAIN_POINT">
     <p:bg>
       <p:bgPr>
         <a:solidFill>
           <a:schemeClr val="accent3"/>
         </a:solidFill>
+        <a:effectLst/>
       </p:bgPr>
     </p:bg>
     <p:spTree>
@@ -1268,6 +1323,7 @@
                   </a:solidFill>
                 </a:defRPr>
               </a:pPr>
+              <a:endParaRPr/>
             </a:p>
           </p:txBody>
         </p:sp>
@@ -1307,6 +1363,7 @@
                   </a:solidFill>
                 </a:defRPr>
               </a:pPr>
+              <a:endParaRPr/>
             </a:p>
           </p:txBody>
         </p:sp>
@@ -1314,7 +1371,9 @@
       <p:sp>
         <p:nvSpPr>
           <p:cNvPr id="65" name="Title Text"/>
-          <p:cNvSpPr txBox="1"/>
+          <p:cNvSpPr txBox="1">
+            <a:spLocks noGrp="1"/>
+          </p:cNvSpPr>
           <p:nvPr>
             <p:ph type="title"/>
           </p:nvPr>
@@ -1340,7 +1399,6 @@
             </a:lvl1pPr>
           </a:lstStyle>
           <a:p>
-            <a:pPr/>
             <a:r>
               <a:t>Title Text</a:t>
             </a:r>
@@ -1350,7 +1408,9 @@
       <p:sp>
         <p:nvSpPr>
           <p:cNvPr id="66" name="Slide Number"/>
-          <p:cNvSpPr txBox="1"/>
+          <p:cNvSpPr txBox="1">
+            <a:spLocks noGrp="1"/>
+          </p:cNvSpPr>
           <p:nvPr>
             <p:ph type="sldNum" sz="quarter" idx="2"/>
           </p:nvPr>
@@ -1372,8 +1432,12 @@
             </a:lvl1pPr>
           </a:lstStyle>
           <a:p>
-            <a:pPr/>
-            <a:fld id="{86CB4B4D-7CA3-9044-876B-883B54F8677D}" type="slidenum"/>
+            <a:fld id="{86CB4B4D-7CA3-9044-876B-883B54F8677D}" type="slidenum">
+              <a:rPr/>
+              <a:pPr/>
+              <a:t>‹#›</a:t>
+            </a:fld>
+            <a:endParaRPr/>
           </a:p>
         </p:txBody>
       </p:sp>
@@ -1382,12 +1446,12 @@
   <p:clrMapOvr>
     <a:masterClrMapping/>
   </p:clrMapOvr>
-  <p:transition xmlns:p14="http://schemas.microsoft.com/office/powerpoint/2010/main" spd="med" advClick="1"/>
+  <p:transition spd="med"/>
 </p:sldLayout>
 </file>
 
 <file path=ppt/slideLayouts/slideLayout7.xml><?xml version="1.0" encoding="utf-8"?>
-<p:sldLayout xmlns:a="http://schemas.openxmlformats.org/drawingml/2006/main" xmlns:r="http://schemas.openxmlformats.org/officeDocument/2006/relationships" xmlns:p="http://schemas.openxmlformats.org/presentationml/2006/main" xmlns:m="http://schemas.openxmlformats.org/officeDocument/2006/math" xmlns:a14="http://schemas.microsoft.com/office/drawing/2010/main" type="tx" showMasterSp="0" showMasterPhAnim="1">
+<p:sldLayout xmlns:a="http://schemas.openxmlformats.org/drawingml/2006/main" xmlns:r="http://schemas.openxmlformats.org/officeDocument/2006/relationships" xmlns:p="http://schemas.openxmlformats.org/presentationml/2006/main" showMasterSp="0" type="tx">
   <p:cSld name="SECTION_TITLE_AND_DESCRIPTION">
     <p:spTree>
       <p:nvGrpSpPr>
@@ -1435,6 +1499,7 @@
                 </a:solidFill>
               </a:defRPr>
             </a:pPr>
+            <a:endParaRPr/>
           </a:p>
         </p:txBody>
       </p:sp>
@@ -1488,6 +1553,7 @@
                   </a:solidFill>
                 </a:defRPr>
               </a:pPr>
+              <a:endParaRPr/>
             </a:p>
           </p:txBody>
         </p:sp>
@@ -1527,6 +1593,7 @@
                   </a:solidFill>
                 </a:defRPr>
               </a:pPr>
+              <a:endParaRPr/>
             </a:p>
           </p:txBody>
         </p:sp>
@@ -1534,7 +1601,9 @@
       <p:sp>
         <p:nvSpPr>
           <p:cNvPr id="77" name="Title Text"/>
-          <p:cNvSpPr txBox="1"/>
+          <p:cNvSpPr txBox="1">
+            <a:spLocks noGrp="1"/>
+          </p:cNvSpPr>
           <p:nvPr>
             <p:ph type="title"/>
           </p:nvPr>
@@ -1552,7 +1621,6 @@
           <a:bodyPr/>
           <a:lstStyle/>
           <a:p>
-            <a:pPr/>
             <a:r>
               <a:t>Title Text</a:t>
             </a:r>
@@ -1562,7 +1630,9 @@
       <p:sp>
         <p:nvSpPr>
           <p:cNvPr id="78" name="Body Level One…"/>
-          <p:cNvSpPr txBox="1"/>
+          <p:cNvSpPr txBox="1">
+            <a:spLocks noGrp="1"/>
+          </p:cNvSpPr>
           <p:nvPr>
             <p:ph type="body" sz="quarter" idx="1"/>
           </p:nvPr>
@@ -1631,7 +1701,6 @@
             </a:lvl5pPr>
           </a:lstStyle>
           <a:p>
-            <a:pPr/>
             <a:r>
               <a:t>Body Level One</a:t>
             </a:r>
@@ -1665,7 +1734,9 @@
       <p:sp>
         <p:nvSpPr>
           <p:cNvPr id="79" name="Google Shape;68;p9"/>
-          <p:cNvSpPr txBox="1"/>
+          <p:cNvSpPr txBox="1">
+            <a:spLocks noGrp="1"/>
+          </p:cNvSpPr>
           <p:nvPr>
             <p:ph type="body" sz="half" idx="13"/>
           </p:nvPr>
@@ -1683,14 +1754,16 @@
           <a:bodyPr/>
           <a:lstStyle/>
           <a:p>
-            <a:pPr/>
+            <a:endParaRPr/>
           </a:p>
         </p:txBody>
       </p:sp>
       <p:sp>
         <p:nvSpPr>
           <p:cNvPr id="80" name="Slide Number"/>
-          <p:cNvSpPr txBox="1"/>
+          <p:cNvSpPr txBox="1">
+            <a:spLocks noGrp="1"/>
+          </p:cNvSpPr>
           <p:nvPr>
             <p:ph type="sldNum" sz="quarter" idx="2"/>
           </p:nvPr>
@@ -1704,8 +1777,12 @@
           <a:bodyPr/>
           <a:lstStyle/>
           <a:p>
-            <a:pPr/>
-            <a:fld id="{86CB4B4D-7CA3-9044-876B-883B54F8677D}" type="slidenum"/>
+            <a:fld id="{86CB4B4D-7CA3-9044-876B-883B54F8677D}" type="slidenum">
+              <a:rPr/>
+              <a:pPr/>
+              <a:t>‹#›</a:t>
+            </a:fld>
+            <a:endParaRPr/>
           </a:p>
         </p:txBody>
       </p:sp>
@@ -1714,12 +1791,12 @@
   <p:clrMapOvr>
     <a:masterClrMapping/>
   </p:clrMapOvr>
-  <p:transition xmlns:p14="http://schemas.microsoft.com/office/powerpoint/2010/main" spd="med" advClick="1"/>
+  <p:transition spd="med"/>
 </p:sldLayout>
 </file>
 
 <file path=ppt/slideLayouts/slideLayout8.xml><?xml version="1.0" encoding="utf-8"?>
-<p:sldLayout xmlns:a="http://schemas.openxmlformats.org/drawingml/2006/main" xmlns:r="http://schemas.openxmlformats.org/officeDocument/2006/relationships" xmlns:p="http://schemas.openxmlformats.org/presentationml/2006/main" xmlns:m="http://schemas.openxmlformats.org/officeDocument/2006/math" xmlns:a14="http://schemas.microsoft.com/office/drawing/2010/main" type="tx" showMasterSp="0" showMasterPhAnim="1">
+<p:sldLayout xmlns:a="http://schemas.openxmlformats.org/drawingml/2006/main" xmlns:r="http://schemas.openxmlformats.org/officeDocument/2006/relationships" xmlns:p="http://schemas.openxmlformats.org/presentationml/2006/main" showMasterSp="0" type="tx">
   <p:cSld name="CAPTION_ONLY">
     <p:spTree>
       <p:nvGrpSpPr>
@@ -1738,7 +1815,9 @@
       <p:sp>
         <p:nvSpPr>
           <p:cNvPr id="87" name="Body Level One…"/>
-          <p:cNvSpPr txBox="1"/>
+          <p:cNvSpPr txBox="1">
+            <a:spLocks noGrp="1"/>
+          </p:cNvSpPr>
           <p:nvPr>
             <p:ph type="body" sz="quarter" idx="1"/>
           </p:nvPr>
@@ -1794,7 +1873,6 @@
             </a:lvl5pPr>
           </a:lstStyle>
           <a:p>
-            <a:pPr/>
             <a:r>
               <a:t>Body Level One</a:t>
             </a:r>
@@ -1828,7 +1906,9 @@
       <p:sp>
         <p:nvSpPr>
           <p:cNvPr id="88" name="Slide Number"/>
-          <p:cNvSpPr txBox="1"/>
+          <p:cNvSpPr txBox="1">
+            <a:spLocks noGrp="1"/>
+          </p:cNvSpPr>
           <p:nvPr>
             <p:ph type="sldNum" sz="quarter" idx="2"/>
           </p:nvPr>
@@ -1842,8 +1922,12 @@
           <a:bodyPr/>
           <a:lstStyle/>
           <a:p>
-            <a:pPr/>
-            <a:fld id="{86CB4B4D-7CA3-9044-876B-883B54F8677D}" type="slidenum"/>
+            <a:fld id="{86CB4B4D-7CA3-9044-876B-883B54F8677D}" type="slidenum">
+              <a:rPr/>
+              <a:pPr/>
+              <a:t>‹#›</a:t>
+            </a:fld>
+            <a:endParaRPr/>
           </a:p>
         </p:txBody>
       </p:sp>
@@ -1852,18 +1936,19 @@
   <p:clrMapOvr>
     <a:masterClrMapping/>
   </p:clrMapOvr>
-  <p:transition xmlns:p14="http://schemas.microsoft.com/office/powerpoint/2010/main" spd="med" advClick="1"/>
+  <p:transition spd="med"/>
 </p:sldLayout>
 </file>
 
 <file path=ppt/slideLayouts/slideLayout9.xml><?xml version="1.0" encoding="utf-8"?>
-<p:sldLayout xmlns:a="http://schemas.openxmlformats.org/drawingml/2006/main" xmlns:r="http://schemas.openxmlformats.org/officeDocument/2006/relationships" xmlns:p="http://schemas.openxmlformats.org/presentationml/2006/main" xmlns:m="http://schemas.openxmlformats.org/officeDocument/2006/math" xmlns:a14="http://schemas.microsoft.com/office/drawing/2010/main" type="tx" showMasterSp="0" showMasterPhAnim="1">
+<p:sldLayout xmlns:a="http://schemas.openxmlformats.org/drawingml/2006/main" xmlns:r="http://schemas.openxmlformats.org/officeDocument/2006/relationships" xmlns:p="http://schemas.openxmlformats.org/presentationml/2006/main" showMasterSp="0" type="tx">
   <p:cSld name="BIG_NUMBER">
     <p:bg>
       <p:bgPr>
         <a:solidFill>
           <a:srgbClr val="1A9988"/>
         </a:solidFill>
+        <a:effectLst/>
       </p:bgPr>
     </p:bg>
     <p:spTree>
@@ -1930,6 +2015,7 @@
                   </a:solidFill>
                 </a:defRPr>
               </a:pPr>
+              <a:endParaRPr/>
             </a:p>
           </p:txBody>
         </p:sp>
@@ -1969,6 +2055,7 @@
                   </a:solidFill>
                 </a:defRPr>
               </a:pPr>
+              <a:endParaRPr/>
             </a:p>
           </p:txBody>
         </p:sp>
@@ -1976,7 +2063,9 @@
       <p:sp>
         <p:nvSpPr>
           <p:cNvPr id="98" name="Title Text"/>
-          <p:cNvSpPr txBox="1"/>
+          <p:cNvSpPr txBox="1">
+            <a:spLocks noGrp="1"/>
+          </p:cNvSpPr>
           <p:nvPr>
             <p:ph type="title"/>
           </p:nvPr>
@@ -2002,7 +2091,6 @@
             </a:lvl1pPr>
           </a:lstStyle>
           <a:p>
-            <a:pPr/>
             <a:r>
               <a:t>Title Text</a:t>
             </a:r>
@@ -2012,7 +2100,9 @@
       <p:sp>
         <p:nvSpPr>
           <p:cNvPr id="99" name="Body Level One…"/>
-          <p:cNvSpPr txBox="1"/>
+          <p:cNvSpPr txBox="1">
+            <a:spLocks noGrp="1"/>
+          </p:cNvSpPr>
           <p:nvPr>
             <p:ph type="body" sz="half" idx="1"/>
           </p:nvPr>
@@ -2081,7 +2171,6 @@
             </a:lvl5pPr>
           </a:lstStyle>
           <a:p>
-            <a:pPr/>
             <a:r>
               <a:t>Body Level One</a:t>
             </a:r>
@@ -2115,7 +2204,9 @@
       <p:sp>
         <p:nvSpPr>
           <p:cNvPr id="100" name="Slide Number"/>
-          <p:cNvSpPr txBox="1"/>
+          <p:cNvSpPr txBox="1">
+            <a:spLocks noGrp="1"/>
+          </p:cNvSpPr>
           <p:nvPr>
             <p:ph type="sldNum" sz="quarter" idx="2"/>
           </p:nvPr>
@@ -2137,8 +2228,12 @@
             </a:lvl1pPr>
           </a:lstStyle>
           <a:p>
-            <a:pPr/>
-            <a:fld id="{86CB4B4D-7CA3-9044-876B-883B54F8677D}" type="slidenum"/>
+            <a:fld id="{86CB4B4D-7CA3-9044-876B-883B54F8677D}" type="slidenum">
+              <a:rPr/>
+              <a:pPr/>
+              <a:t>‹#›</a:t>
+            </a:fld>
+            <a:endParaRPr/>
           </a:p>
         </p:txBody>
       </p:sp>
@@ -2147,18 +2242,19 @@
   <p:clrMapOvr>
     <a:masterClrMapping/>
   </p:clrMapOvr>
-  <p:transition xmlns:p14="http://schemas.microsoft.com/office/powerpoint/2010/main" spd="med" advClick="1"/>
+  <p:transition spd="med"/>
 </p:sldLayout>
 </file>
 
 <file path=ppt/slideMasters/slideMaster1.xml><?xml version="1.0" encoding="utf-8"?>
-<p:sldMaster xmlns:a="http://schemas.openxmlformats.org/drawingml/2006/main" xmlns:r="http://schemas.openxmlformats.org/officeDocument/2006/relationships" xmlns:p="http://schemas.openxmlformats.org/presentationml/2006/main" xmlns:m="http://schemas.openxmlformats.org/officeDocument/2006/math" xmlns:a14="http://schemas.microsoft.com/office/drawing/2010/main">
+<p:sldMaster xmlns:a="http://schemas.openxmlformats.org/drawingml/2006/main" xmlns:r="http://schemas.openxmlformats.org/officeDocument/2006/relationships" xmlns:p="http://schemas.openxmlformats.org/presentationml/2006/main">
   <p:cSld>
     <p:bg>
       <p:bgPr>
         <a:solidFill>
           <a:srgbClr val="FFFFFF"/>
         </a:solidFill>
+        <a:effectLst/>
       </p:bgPr>
     </p:bg>
     <p:spTree>
@@ -2207,6 +2303,7 @@
                 </a:solidFill>
               </a:defRPr>
             </a:pPr>
+            <a:endParaRPr/>
           </a:p>
         </p:txBody>
       </p:sp>
@@ -2260,6 +2357,7 @@
                   </a:solidFill>
                 </a:defRPr>
               </a:pPr>
+              <a:endParaRPr/>
             </a:p>
           </p:txBody>
         </p:sp>
@@ -2299,6 +2397,7 @@
                   </a:solidFill>
                 </a:defRPr>
               </a:pPr>
+              <a:endParaRPr/>
             </a:p>
           </p:txBody>
         </p:sp>
@@ -2306,7 +2405,9 @@
       <p:sp>
         <p:nvSpPr>
           <p:cNvPr id="6" name="Title Text"/>
-          <p:cNvSpPr txBox="1"/>
+          <p:cNvSpPr txBox="1">
+            <a:spLocks noGrp="1"/>
+          </p:cNvSpPr>
           <p:nvPr>
             <p:ph type="title"/>
           </p:nvPr>
@@ -2324,17 +2425,16 @@
           </a:ln>
           <a:extLst>
             <a:ext uri="{C572A759-6A51-4108-AA02-DFA0A04FC94B}">
-              <ma14:wrappingTextBoxFlag xmlns:ma14="http://schemas.microsoft.com/office/mac/drawingml/2011/main" val="1"/>
+              <ma14:wrappingTextBoxFlag xmlns:ma14="http://schemas.microsoft.com/office/mac/drawingml/2011/main" xmlns:a14="http://schemas.microsoft.com/office/drawing/2010/main" xmlns:m="http://schemas.openxmlformats.org/officeDocument/2006/math" xmlns="" val="1"/>
             </a:ext>
           </a:extLst>
         </p:spPr>
         <p:txBody>
           <a:bodyPr lIns="91423" tIns="91423" rIns="91423" bIns="91423">
-            <a:normAutofit fontScale="100000" lnSpcReduction="0"/>
+            <a:normAutofit/>
           </a:bodyPr>
           <a:lstStyle/>
           <a:p>
-            <a:pPr/>
             <a:r>
               <a:t>Title Text</a:t>
             </a:r>
@@ -2344,7 +2444,9 @@
       <p:sp>
         <p:nvSpPr>
           <p:cNvPr id="7" name="Body Level One…"/>
-          <p:cNvSpPr txBox="1"/>
+          <p:cNvSpPr txBox="1">
+            <a:spLocks noGrp="1"/>
+          </p:cNvSpPr>
           <p:nvPr>
             <p:ph type="body" idx="1"/>
           </p:nvPr>
@@ -2362,17 +2464,16 @@
           </a:ln>
           <a:extLst>
             <a:ext uri="{C572A759-6A51-4108-AA02-DFA0A04FC94B}">
-              <ma14:wrappingTextBoxFlag xmlns:ma14="http://schemas.microsoft.com/office/mac/drawingml/2011/main" val="1"/>
+              <ma14:wrappingTextBoxFlag xmlns:ma14="http://schemas.microsoft.com/office/mac/drawingml/2011/main" xmlns:a14="http://schemas.microsoft.com/office/drawing/2010/main" xmlns:m="http://schemas.openxmlformats.org/officeDocument/2006/math" xmlns="" val="1"/>
             </a:ext>
           </a:extLst>
         </p:spPr>
         <p:txBody>
           <a:bodyPr lIns="91423" tIns="91423" rIns="91423" bIns="91423">
-            <a:normAutofit fontScale="100000" lnSpcReduction="0"/>
+            <a:normAutofit/>
           </a:bodyPr>
           <a:lstStyle/>
           <a:p>
-            <a:pPr/>
             <a:r>
               <a:t>Body Level One</a:t>
             </a:r>
@@ -2406,7 +2507,9 @@
       <p:sp>
         <p:nvSpPr>
           <p:cNvPr id="8" name="Slide Number"/>
-          <p:cNvSpPr txBox="1"/>
+          <p:cNvSpPr txBox="1">
+            <a:spLocks noGrp="1"/>
+          </p:cNvSpPr>
           <p:nvPr>
             <p:ph type="sldNum" sz="quarter" idx="2"/>
           </p:nvPr>
@@ -2441,8 +2544,12 @@
             </a:lvl1pPr>
           </a:lstStyle>
           <a:p>
-            <a:pPr/>
-            <a:fld id="{86CB4B4D-7CA3-9044-876B-883B54F8677D}" type="slidenum"/>
+            <a:fld id="{86CB4B4D-7CA3-9044-876B-883B54F8677D}" type="slidenum">
+              <a:rPr/>
+              <a:pPr/>
+              <a:t>‹#›</a:t>
+            </a:fld>
+            <a:endParaRPr/>
           </a:p>
         </p:txBody>
       </p:sp>
@@ -2450,18 +2557,18 @@
   </p:cSld>
   <p:clrMap bg1="dk1" tx1="lt1" bg2="dk2" tx2="lt2" accent1="accent1" accent2="accent2" accent3="accent3" accent4="accent4" accent5="accent5" accent6="accent6" hlink="hlink" folHlink="folHlink"/>
   <p:sldLayoutIdLst>
-    <p:sldLayoutId id="2147483649" r:id="rId2"/>
-    <p:sldLayoutId id="2147483650" r:id="rId3"/>
-    <p:sldLayoutId id="2147483651" r:id="rId4"/>
-    <p:sldLayoutId id="2147483652" r:id="rId5"/>
-    <p:sldLayoutId id="2147483653" r:id="rId6"/>
-    <p:sldLayoutId id="2147483654" r:id="rId7"/>
-    <p:sldLayoutId id="2147483655" r:id="rId8"/>
-    <p:sldLayoutId id="2147483656" r:id="rId9"/>
-    <p:sldLayoutId id="2147483657" r:id="rId10"/>
-    <p:sldLayoutId id="2147483658" r:id="rId11"/>
+    <p:sldLayoutId id="2147483649" r:id="rId1"/>
+    <p:sldLayoutId id="2147483650" r:id="rId2"/>
+    <p:sldLayoutId id="2147483651" r:id="rId3"/>
+    <p:sldLayoutId id="2147483652" r:id="rId4"/>
+    <p:sldLayoutId id="2147483653" r:id="rId5"/>
+    <p:sldLayoutId id="2147483654" r:id="rId6"/>
+    <p:sldLayoutId id="2147483655" r:id="rId7"/>
+    <p:sldLayoutId id="2147483656" r:id="rId8"/>
+    <p:sldLayoutId id="2147483657" r:id="rId9"/>
+    <p:sldLayoutId id="2147483658" r:id="rId10"/>
   </p:sldLayoutIdLst>
-  <p:transition xmlns:p14="http://schemas.microsoft.com/office/powerpoint/2010/main" spd="med" advClick="1"/>
+  <p:transition spd="med"/>
   <p:txStyles>
     <p:titleStyle>
       <a:lvl1pPr marL="0" marR="0" indent="0" algn="l" defTabSz="914400" rtl="0" latinLnBrk="0">
@@ -2479,7 +2586,7 @@
         <a:buFontTx/>
         <a:buNone/>
         <a:tabLst/>
-        <a:defRPr b="1" baseline="0" cap="none" i="0" spc="0" strike="noStrike" sz="2600" u="none">
+        <a:defRPr sz="2600" b="1" i="0" u="none" strike="noStrike" cap="none" spc="0" baseline="0">
           <a:ln>
             <a:noFill/>
           </a:ln>
@@ -2508,7 +2615,7 @@
         <a:buFontTx/>
         <a:buNone/>
         <a:tabLst/>
-        <a:defRPr b="1" baseline="0" cap="none" i="0" spc="0" strike="noStrike" sz="2600" u="none">
+        <a:defRPr sz="2600" b="1" i="0" u="none" strike="noStrike" cap="none" spc="0" baseline="0">
           <a:ln>
             <a:noFill/>
           </a:ln>
@@ -2537,7 +2644,7 @@
         <a:buFontTx/>
         <a:buNone/>
         <a:tabLst/>
-        <a:defRPr b="1" baseline="0" cap="none" i="0" spc="0" strike="noStrike" sz="2600" u="none">
+        <a:defRPr sz="2600" b="1" i="0" u="none" strike="noStrike" cap="none" spc="0" baseline="0">
           <a:ln>
             <a:noFill/>
           </a:ln>
@@ -2566,7 +2673,7 @@
         <a:buFontTx/>
         <a:buNone/>
         <a:tabLst/>
-        <a:defRPr b="1" baseline="0" cap="none" i="0" spc="0" strike="noStrike" sz="2600" u="none">
+        <a:defRPr sz="2600" b="1" i="0" u="none" strike="noStrike" cap="none" spc="0" baseline="0">
           <a:ln>
             <a:noFill/>
           </a:ln>
@@ -2595,7 +2702,7 @@
         <a:buFontTx/>
         <a:buNone/>
         <a:tabLst/>
-        <a:defRPr b="1" baseline="0" cap="none" i="0" spc="0" strike="noStrike" sz="2600" u="none">
+        <a:defRPr sz="2600" b="1" i="0" u="none" strike="noStrike" cap="none" spc="0" baseline="0">
           <a:ln>
             <a:noFill/>
           </a:ln>
@@ -2624,7 +2731,7 @@
         <a:buFontTx/>
         <a:buNone/>
         <a:tabLst/>
-        <a:defRPr b="1" baseline="0" cap="none" i="0" spc="0" strike="noStrike" sz="2600" u="none">
+        <a:defRPr sz="2600" b="1" i="0" u="none" strike="noStrike" cap="none" spc="0" baseline="0">
           <a:ln>
             <a:noFill/>
           </a:ln>
@@ -2653,7 +2760,7 @@
         <a:buFontTx/>
         <a:buNone/>
         <a:tabLst/>
-        <a:defRPr b="1" baseline="0" cap="none" i="0" spc="0" strike="noStrike" sz="2600" u="none">
+        <a:defRPr sz="2600" b="1" i="0" u="none" strike="noStrike" cap="none" spc="0" baseline="0">
           <a:ln>
             <a:noFill/>
           </a:ln>
@@ -2682,7 +2789,7 @@
         <a:buFontTx/>
         <a:buNone/>
         <a:tabLst/>
-        <a:defRPr b="1" baseline="0" cap="none" i="0" spc="0" strike="noStrike" sz="2600" u="none">
+        <a:defRPr sz="2600" b="1" i="0" u="none" strike="noStrike" cap="none" spc="0" baseline="0">
           <a:ln>
             <a:noFill/>
           </a:ln>
@@ -2711,7 +2818,7 @@
         <a:buFontTx/>
         <a:buNone/>
         <a:tabLst/>
-        <a:defRPr b="1" baseline="0" cap="none" i="0" spc="0" strike="noStrike" sz="2600" u="none">
+        <a:defRPr sz="2600" b="1" i="0" u="none" strike="noStrike" cap="none" spc="0" baseline="0">
           <a:ln>
             <a:noFill/>
           </a:ln>
@@ -2744,7 +2851,7 @@
         <a:buFont typeface="Helvetica"/>
         <a:buChar char="●"/>
         <a:tabLst/>
-        <a:defRPr b="0" baseline="0" cap="none" i="0" spc="0" strike="noStrike" sz="1300" u="none">
+        <a:defRPr sz="1300" b="0" i="0" u="none" strike="noStrike" cap="none" spc="0" baseline="0">
           <a:ln>
             <a:noFill/>
           </a:ln>
@@ -2775,7 +2882,7 @@
         <a:buFont typeface="Helvetica"/>
         <a:buChar char="○"/>
         <a:tabLst/>
-        <a:defRPr b="0" baseline="0" cap="none" i="0" spc="0" strike="noStrike" sz="1300" u="none">
+        <a:defRPr sz="1300" b="0" i="0" u="none" strike="noStrike" cap="none" spc="0" baseline="0">
           <a:ln>
             <a:noFill/>
           </a:ln>
@@ -2806,7 +2913,7 @@
         <a:buFont typeface="Helvetica"/>
         <a:buChar char="■"/>
         <a:tabLst/>
-        <a:defRPr b="0" baseline="0" cap="none" i="0" spc="0" strike="noStrike" sz="1300" u="none">
+        <a:defRPr sz="1300" b="0" i="0" u="none" strike="noStrike" cap="none" spc="0" baseline="0">
           <a:ln>
             <a:noFill/>
           </a:ln>
@@ -2837,7 +2944,7 @@
         <a:buFont typeface="Helvetica"/>
         <a:buChar char="●"/>
         <a:tabLst/>
-        <a:defRPr b="0" baseline="0" cap="none" i="0" spc="0" strike="noStrike" sz="1300" u="none">
+        <a:defRPr sz="1300" b="0" i="0" u="none" strike="noStrike" cap="none" spc="0" baseline="0">
           <a:ln>
             <a:noFill/>
           </a:ln>
@@ -2868,7 +2975,7 @@
         <a:buFont typeface="Helvetica"/>
         <a:buChar char="○"/>
         <a:tabLst/>
-        <a:defRPr b="0" baseline="0" cap="none" i="0" spc="0" strike="noStrike" sz="1300" u="none">
+        <a:defRPr sz="1300" b="0" i="0" u="none" strike="noStrike" cap="none" spc="0" baseline="0">
           <a:ln>
             <a:noFill/>
           </a:ln>
@@ -2899,7 +3006,7 @@
         <a:buFont typeface="Helvetica"/>
         <a:buChar char="■"/>
         <a:tabLst/>
-        <a:defRPr b="0" baseline="0" cap="none" i="0" spc="0" strike="noStrike" sz="1300" u="none">
+        <a:defRPr sz="1300" b="0" i="0" u="none" strike="noStrike" cap="none" spc="0" baseline="0">
           <a:ln>
             <a:noFill/>
           </a:ln>
@@ -2930,7 +3037,7 @@
         <a:buFont typeface="Helvetica"/>
         <a:buChar char="●"/>
         <a:tabLst/>
-        <a:defRPr b="0" baseline="0" cap="none" i="0" spc="0" strike="noStrike" sz="1300" u="none">
+        <a:defRPr sz="1300" b="0" i="0" u="none" strike="noStrike" cap="none" spc="0" baseline="0">
           <a:ln>
             <a:noFill/>
           </a:ln>
@@ -2961,7 +3068,7 @@
         <a:buFont typeface="Helvetica"/>
         <a:buChar char="○"/>
         <a:tabLst/>
-        <a:defRPr b="0" baseline="0" cap="none" i="0" spc="0" strike="noStrike" sz="1300" u="none">
+        <a:defRPr sz="1300" b="0" i="0" u="none" strike="noStrike" cap="none" spc="0" baseline="0">
           <a:ln>
             <a:noFill/>
           </a:ln>
@@ -2992,7 +3099,7 @@
         <a:buFont typeface="Helvetica"/>
         <a:buChar char="■"/>
         <a:tabLst/>
-        <a:defRPr b="0" baseline="0" cap="none" i="0" spc="0" strike="noStrike" sz="1300" u="none">
+        <a:defRPr sz="1300" b="0" i="0" u="none" strike="noStrike" cap="none" spc="0" baseline="0">
           <a:ln>
             <a:noFill/>
           </a:ln>
@@ -3023,7 +3130,7 @@
         <a:buFontTx/>
         <a:buNone/>
         <a:tabLst/>
-        <a:defRPr b="0" baseline="0" cap="none" i="0" spc="0" strike="noStrike" sz="1000" u="none">
+        <a:defRPr sz="1000" b="0" i="0" u="none" strike="noStrike" cap="none" spc="0" baseline="0">
           <a:ln>
             <a:noFill/>
           </a:ln>
@@ -3052,7 +3159,7 @@
         <a:buFontTx/>
         <a:buNone/>
         <a:tabLst/>
-        <a:defRPr b="0" baseline="0" cap="none" i="0" spc="0" strike="noStrike" sz="1000" u="none">
+        <a:defRPr sz="1000" b="0" i="0" u="none" strike="noStrike" cap="none" spc="0" baseline="0">
           <a:ln>
             <a:noFill/>
           </a:ln>
@@ -3081,7 +3188,7 @@
         <a:buFontTx/>
         <a:buNone/>
         <a:tabLst/>
-        <a:defRPr b="0" baseline="0" cap="none" i="0" spc="0" strike="noStrike" sz="1000" u="none">
+        <a:defRPr sz="1000" b="0" i="0" u="none" strike="noStrike" cap="none" spc="0" baseline="0">
           <a:ln>
             <a:noFill/>
           </a:ln>
@@ -3110,7 +3217,7 @@
         <a:buFontTx/>
         <a:buNone/>
         <a:tabLst/>
-        <a:defRPr b="0" baseline="0" cap="none" i="0" spc="0" strike="noStrike" sz="1000" u="none">
+        <a:defRPr sz="1000" b="0" i="0" u="none" strike="noStrike" cap="none" spc="0" baseline="0">
           <a:ln>
             <a:noFill/>
           </a:ln>
@@ -3139,7 +3246,7 @@
         <a:buFontTx/>
         <a:buNone/>
         <a:tabLst/>
-        <a:defRPr b="0" baseline="0" cap="none" i="0" spc="0" strike="noStrike" sz="1000" u="none">
+        <a:defRPr sz="1000" b="0" i="0" u="none" strike="noStrike" cap="none" spc="0" baseline="0">
           <a:ln>
             <a:noFill/>
           </a:ln>
@@ -3168,7 +3275,7 @@
         <a:buFontTx/>
         <a:buNone/>
         <a:tabLst/>
-        <a:defRPr b="0" baseline="0" cap="none" i="0" spc="0" strike="noStrike" sz="1000" u="none">
+        <a:defRPr sz="1000" b="0" i="0" u="none" strike="noStrike" cap="none" spc="0" baseline="0">
           <a:ln>
             <a:noFill/>
           </a:ln>
@@ -3197,7 +3304,7 @@
         <a:buFontTx/>
         <a:buNone/>
         <a:tabLst/>
-        <a:defRPr b="0" baseline="0" cap="none" i="0" spc="0" strike="noStrike" sz="1000" u="none">
+        <a:defRPr sz="1000" b="0" i="0" u="none" strike="noStrike" cap="none" spc="0" baseline="0">
           <a:ln>
             <a:noFill/>
           </a:ln>
@@ -3226,7 +3333,7 @@
         <a:buFontTx/>
         <a:buNone/>
         <a:tabLst/>
-        <a:defRPr b="0" baseline="0" cap="none" i="0" spc="0" strike="noStrike" sz="1000" u="none">
+        <a:defRPr sz="1000" b="0" i="0" u="none" strike="noStrike" cap="none" spc="0" baseline="0">
           <a:ln>
             <a:noFill/>
           </a:ln>
@@ -3255,7 +3362,7 @@
         <a:buFontTx/>
         <a:buNone/>
         <a:tabLst/>
-        <a:defRPr b="0" baseline="0" cap="none" i="0" spc="0" strike="noStrike" sz="1000" u="none">
+        <a:defRPr sz="1000" b="0" i="0" u="none" strike="noStrike" cap="none" spc="0" baseline="0">
           <a:ln>
             <a:noFill/>
           </a:ln>
@@ -3275,7 +3382,7 @@
 </file>
 
 <file path=ppt/slides/slide1.xml><?xml version="1.0" encoding="utf-8"?>
-<p:sld xmlns:a="http://schemas.openxmlformats.org/drawingml/2006/main" xmlns:r="http://schemas.openxmlformats.org/officeDocument/2006/relationships" xmlns:p="http://schemas.openxmlformats.org/presentationml/2006/main" xmlns:m="http://schemas.openxmlformats.org/officeDocument/2006/math" xmlns:a14="http://schemas.microsoft.com/office/drawing/2010/main" showMasterSp="1" showMasterPhAnim="1">
+<p:sld xmlns:a="http://schemas.openxmlformats.org/drawingml/2006/main" xmlns:r="http://schemas.openxmlformats.org/officeDocument/2006/relationships" xmlns:p="http://schemas.openxmlformats.org/presentationml/2006/main">
   <p:cSld>
     <p:spTree>
       <p:nvGrpSpPr>
@@ -3294,7 +3401,9 @@
       <p:sp>
         <p:nvSpPr>
           <p:cNvPr id="116" name="Title 1"/>
-          <p:cNvSpPr txBox="1"/>
+          <p:cNvSpPr txBox="1">
+            <a:spLocks noGrp="1"/>
+          </p:cNvSpPr>
           <p:nvPr>
             <p:ph type="title"/>
           </p:nvPr>
@@ -3316,9 +3425,10 @@
               <a:defRPr sz="1079"/>
             </a:pPr>
             <a:r>
-              <a:t>Python </a:t>
+              <a:t/>
             </a:r>
             <a:br/>
+            <a:endParaRPr/>
           </a:p>
         </p:txBody>
       </p:sp>
@@ -3341,7 +3451,7 @@
           </a:ln>
           <a:extLst>
             <a:ext uri="{C572A759-6A51-4108-AA02-DFA0A04FC94B}">
-              <ma14:wrappingTextBoxFlag xmlns:ma14="http://schemas.microsoft.com/office/mac/drawingml/2011/main" val="1"/>
+              <ma14:wrappingTextBoxFlag xmlns:ma14="http://schemas.microsoft.com/office/mac/drawingml/2011/main" xmlns:a14="http://schemas.microsoft.com/office/drawing/2010/main" xmlns:m="http://schemas.openxmlformats.org/officeDocument/2006/math" xmlns="" val="1"/>
             </a:ext>
           </a:extLst>
         </p:spPr>
@@ -3351,7 +3461,7 @@
           </a:bodyPr>
           <a:lstStyle>
             <a:lvl1pPr>
-              <a:defRPr b="1" sz="3200">
+              <a:defRPr sz="3200" b="1">
                 <a:solidFill>
                   <a:srgbClr val="1A1A1A"/>
                 </a:solidFill>
@@ -3363,7 +3473,6 @@
             </a:lvl1pPr>
           </a:lstStyle>
           <a:p>
-            <a:pPr/>
             <a:r>
               <a:t>Numbers </a:t>
             </a:r>
@@ -3375,12 +3484,19 @@
   <p:clrMapOvr>
     <a:masterClrMapping/>
   </p:clrMapOvr>
-  <p:transition xmlns:p14="http://schemas.microsoft.com/office/powerpoint/2010/main" spd="med" advClick="1"/>
+  <p:transition spd="med"/>
+  <p:timing>
+    <p:tnLst>
+      <p:par>
+        <p:cTn id="1" dur="indefinite" restart="never" nodeType="tmRoot"/>
+      </p:par>
+    </p:tnLst>
+  </p:timing>
 </p:sld>
 </file>
 
 <file path=ppt/slides/slide10.xml><?xml version="1.0" encoding="utf-8"?>
-<p:sld xmlns:a="http://schemas.openxmlformats.org/drawingml/2006/main" xmlns:r="http://schemas.openxmlformats.org/officeDocument/2006/relationships" xmlns:p="http://schemas.openxmlformats.org/presentationml/2006/main" xmlns:m="http://schemas.openxmlformats.org/officeDocument/2006/math" xmlns:a14="http://schemas.microsoft.com/office/drawing/2010/main" showMasterSp="1" showMasterPhAnim="1">
+<p:sld xmlns:a="http://schemas.openxmlformats.org/drawingml/2006/main" xmlns:r="http://schemas.openxmlformats.org/officeDocument/2006/relationships" xmlns:p="http://schemas.openxmlformats.org/presentationml/2006/main">
   <p:cSld>
     <p:spTree>
       <p:nvGrpSpPr>
@@ -3399,7 +3515,9 @@
       <p:sp>
         <p:nvSpPr>
           <p:cNvPr id="147" name="Title 1"/>
-          <p:cNvSpPr txBox="1"/>
+          <p:cNvSpPr txBox="1">
+            <a:spLocks noGrp="1"/>
+          </p:cNvSpPr>
           <p:nvPr>
             <p:ph type="title"/>
           </p:nvPr>
@@ -3421,7 +3539,6 @@
             </a:lvl1pPr>
           </a:lstStyle>
           <a:p>
-            <a:pPr/>
             <a:r>
               <a:t>Choice(seq)</a:t>
             </a:r>
@@ -3431,7 +3548,9 @@
       <p:sp>
         <p:nvSpPr>
           <p:cNvPr id="148" name="Text Placeholder 2"/>
-          <p:cNvSpPr txBox="1"/>
+          <p:cNvSpPr txBox="1">
+            <a:spLocks noGrp="1"/>
+          </p:cNvSpPr>
           <p:nvPr>
             <p:ph type="body" sz="quarter" idx="1"/>
           </p:nvPr>
@@ -3456,7 +3575,7 @@
             <a:round/>
           </a:ln>
           <a:effectLst>
-            <a:outerShdw sx="100000" sy="100000" kx="0" ky="0" algn="b" rotWithShape="0" blurRad="38100" dist="23000" dir="5400000">
+            <a:outerShdw blurRad="38100" dist="23000" dir="5400000" rotWithShape="0">
               <a:srgbClr val="000000">
                 <a:alpha val="35000"/>
               </a:srgbClr>
@@ -3573,7 +3692,7 @@
             <a:miter lim="400000"/>
           </a:ln>
           <a:effectLst>
-            <a:outerShdw sx="100000" sy="100000" kx="0" ky="0" algn="b" rotWithShape="0" blurRad="38100" dist="23000" dir="5400000">
+            <a:outerShdw blurRad="38100" dist="23000" dir="5400000" rotWithShape="0">
               <a:srgbClr val="000000">
                 <a:alpha val="35000"/>
               </a:srgbClr>
@@ -3581,13 +3700,13 @@
           </a:effectLst>
           <a:extLst>
             <a:ext uri="{C572A759-6A51-4108-AA02-DFA0A04FC94B}">
-              <ma14:wrappingTextBoxFlag xmlns:ma14="http://schemas.microsoft.com/office/mac/drawingml/2011/main" val="1"/>
+              <ma14:wrappingTextBoxFlag xmlns:ma14="http://schemas.microsoft.com/office/mac/drawingml/2011/main" xmlns:a14="http://schemas.microsoft.com/office/drawing/2010/main" xmlns:m="http://schemas.openxmlformats.org/officeDocument/2006/math" xmlns="" val="1"/>
             </a:ext>
           </a:extLst>
         </p:spPr>
         <p:txBody>
           <a:bodyPr lIns="91423" tIns="91423" rIns="91423" bIns="91423">
-            <a:normAutofit fontScale="100000" lnSpcReduction="0"/>
+            <a:normAutofit/>
           </a:bodyPr>
           <a:lstStyle>
             <a:lvl1pPr>
@@ -3601,7 +3720,6 @@
             </a:lvl1pPr>
           </a:lstStyle>
           <a:p>
-            <a:pPr/>
             <a:r>
               <a:t>It will return a random element from the list</a:t>
             </a:r>
@@ -3613,12 +3731,19 @@
   <p:clrMapOvr>
     <a:masterClrMapping/>
   </p:clrMapOvr>
-  <p:transition xmlns:p14="http://schemas.microsoft.com/office/powerpoint/2010/main" spd="med" advClick="1"/>
+  <p:transition spd="med"/>
+  <p:timing>
+    <p:tnLst>
+      <p:par>
+        <p:cTn id="1" dur="indefinite" restart="never" nodeType="tmRoot"/>
+      </p:par>
+    </p:tnLst>
+  </p:timing>
 </p:sld>
 </file>
 
 <file path=ppt/slides/slide11.xml><?xml version="1.0" encoding="utf-8"?>
-<p:sld xmlns:a="http://schemas.openxmlformats.org/drawingml/2006/main" xmlns:r="http://schemas.openxmlformats.org/officeDocument/2006/relationships" xmlns:p="http://schemas.openxmlformats.org/presentationml/2006/main" xmlns:m="http://schemas.openxmlformats.org/officeDocument/2006/math" xmlns:a14="http://schemas.microsoft.com/office/drawing/2010/main" showMasterSp="1" showMasterPhAnim="1">
+<p:sld xmlns:a="http://schemas.openxmlformats.org/drawingml/2006/main" xmlns:r="http://schemas.openxmlformats.org/officeDocument/2006/relationships" xmlns:p="http://schemas.openxmlformats.org/presentationml/2006/main">
   <p:cSld>
     <p:spTree>
       <p:nvGrpSpPr>
@@ -3637,7 +3762,9 @@
       <p:sp>
         <p:nvSpPr>
           <p:cNvPr id="151" name="Title 1"/>
-          <p:cNvSpPr txBox="1"/>
+          <p:cNvSpPr txBox="1">
+            <a:spLocks noGrp="1"/>
+          </p:cNvSpPr>
           <p:nvPr>
             <p:ph type="title"/>
           </p:nvPr>
@@ -3659,7 +3786,6 @@
             </a:lvl1pPr>
           </a:lstStyle>
           <a:p>
-            <a:pPr/>
             <a:r>
               <a:t>random() Function</a:t>
             </a:r>
@@ -3669,7 +3795,9 @@
       <p:sp>
         <p:nvSpPr>
           <p:cNvPr id="152" name="Text Placeholder 2"/>
-          <p:cNvSpPr txBox="1"/>
+          <p:cNvSpPr txBox="1">
+            <a:spLocks noGrp="1"/>
+          </p:cNvSpPr>
           <p:nvPr>
             <p:ph type="body" sz="quarter" idx="1"/>
           </p:nvPr>
@@ -3694,7 +3822,7 @@
             <a:round/>
           </a:ln>
           <a:effectLst>
-            <a:outerShdw sx="100000" sy="100000" kx="0" ky="0" algn="b" rotWithShape="0" blurRad="38100" dist="23000" dir="5400000">
+            <a:outerShdw blurRad="38100" dist="23000" dir="5400000" rotWithShape="0">
               <a:srgbClr val="000000">
                 <a:alpha val="35000"/>
               </a:srgbClr>
@@ -3790,7 +3918,7 @@
             <a:miter lim="400000"/>
           </a:ln>
           <a:effectLst>
-            <a:outerShdw sx="100000" sy="100000" kx="0" ky="0" algn="b" rotWithShape="0" blurRad="38100" dist="23000" dir="5400000">
+            <a:outerShdw blurRad="38100" dist="23000" dir="5400000" rotWithShape="0">
               <a:srgbClr val="000000">
                 <a:alpha val="35000"/>
               </a:srgbClr>
@@ -3798,13 +3926,13 @@
           </a:effectLst>
           <a:extLst>
             <a:ext uri="{C572A759-6A51-4108-AA02-DFA0A04FC94B}">
-              <ma14:wrappingTextBoxFlag xmlns:ma14="http://schemas.microsoft.com/office/mac/drawingml/2011/main" val="1"/>
+              <ma14:wrappingTextBoxFlag xmlns:ma14="http://schemas.microsoft.com/office/mac/drawingml/2011/main" xmlns:a14="http://schemas.microsoft.com/office/drawing/2010/main" xmlns:m="http://schemas.openxmlformats.org/officeDocument/2006/math" xmlns="" val="1"/>
             </a:ext>
           </a:extLst>
         </p:spPr>
         <p:txBody>
           <a:bodyPr lIns="91423" tIns="91423" rIns="91423" bIns="91423">
-            <a:normAutofit fontScale="100000" lnSpcReduction="0"/>
+            <a:normAutofit/>
           </a:bodyPr>
           <a:lstStyle>
             <a:lvl1pPr>
@@ -3818,7 +3946,6 @@
             </a:lvl1pPr>
           </a:lstStyle>
           <a:p>
-            <a:pPr/>
             <a:r>
               <a:t>It generates a random number between 0 and 1</a:t>
             </a:r>
@@ -3830,12 +3957,19 @@
   <p:clrMapOvr>
     <a:masterClrMapping/>
   </p:clrMapOvr>
-  <p:transition xmlns:p14="http://schemas.microsoft.com/office/powerpoint/2010/main" spd="med" advClick="1"/>
+  <p:transition spd="med"/>
+  <p:timing>
+    <p:tnLst>
+      <p:par>
+        <p:cTn id="1" dur="indefinite" restart="never" nodeType="tmRoot"/>
+      </p:par>
+    </p:tnLst>
+  </p:timing>
 </p:sld>
 </file>
 
 <file path=ppt/slides/slide12.xml><?xml version="1.0" encoding="utf-8"?>
-<p:sld xmlns:a="http://schemas.openxmlformats.org/drawingml/2006/main" xmlns:r="http://schemas.openxmlformats.org/officeDocument/2006/relationships" xmlns:p="http://schemas.openxmlformats.org/presentationml/2006/main" xmlns:m="http://schemas.openxmlformats.org/officeDocument/2006/math" xmlns:a14="http://schemas.microsoft.com/office/drawing/2010/main" showMasterSp="1" showMasterPhAnim="1">
+<p:sld xmlns:a="http://schemas.openxmlformats.org/drawingml/2006/main" xmlns:r="http://schemas.openxmlformats.org/officeDocument/2006/relationships" xmlns:p="http://schemas.openxmlformats.org/presentationml/2006/main">
   <p:cSld>
     <p:spTree>
       <p:nvGrpSpPr>
@@ -3854,7 +3988,9 @@
       <p:sp>
         <p:nvSpPr>
           <p:cNvPr id="155" name="Title 1"/>
-          <p:cNvSpPr txBox="1"/>
+          <p:cNvSpPr txBox="1">
+            <a:spLocks noGrp="1"/>
+          </p:cNvSpPr>
           <p:nvPr>
             <p:ph type="title"/>
           </p:nvPr>
@@ -3876,7 +4012,6 @@
             </a:lvl1pPr>
           </a:lstStyle>
           <a:p>
-            <a:pPr/>
             <a:r>
               <a:t>randrange() Function</a:t>
             </a:r>
@@ -3886,7 +4021,9 @@
       <p:sp>
         <p:nvSpPr>
           <p:cNvPr id="156" name="Text Placeholder 2"/>
-          <p:cNvSpPr txBox="1"/>
+          <p:cNvSpPr txBox="1">
+            <a:spLocks noGrp="1"/>
+          </p:cNvSpPr>
           <p:nvPr>
             <p:ph type="body" sz="quarter" idx="1"/>
           </p:nvPr>
@@ -3911,7 +4048,7 @@
             <a:round/>
           </a:ln>
           <a:effectLst>
-            <a:outerShdw sx="100000" sy="100000" kx="0" ky="0" algn="b" rotWithShape="0" blurRad="38100" dist="23000" dir="5400000">
+            <a:outerShdw blurRad="38100" dist="23000" dir="5400000" rotWithShape="0">
               <a:srgbClr val="000000">
                 <a:alpha val="35000"/>
               </a:srgbClr>
@@ -4007,7 +4144,7 @@
             <a:miter lim="400000"/>
           </a:ln>
           <a:effectLst>
-            <a:outerShdw sx="100000" sy="100000" kx="0" ky="0" algn="b" rotWithShape="0" blurRad="38100" dist="23000" dir="5400000">
+            <a:outerShdw blurRad="38100" dist="23000" dir="5400000" rotWithShape="0">
               <a:srgbClr val="000000">
                 <a:alpha val="35000"/>
               </a:srgbClr>
@@ -4015,13 +4152,13 @@
           </a:effectLst>
           <a:extLst>
             <a:ext uri="{C572A759-6A51-4108-AA02-DFA0A04FC94B}">
-              <ma14:wrappingTextBoxFlag xmlns:ma14="http://schemas.microsoft.com/office/mac/drawingml/2011/main" val="1"/>
+              <ma14:wrappingTextBoxFlag xmlns:ma14="http://schemas.microsoft.com/office/mac/drawingml/2011/main" xmlns:a14="http://schemas.microsoft.com/office/drawing/2010/main" xmlns:m="http://schemas.openxmlformats.org/officeDocument/2006/math" xmlns="" val="1"/>
             </a:ext>
           </a:extLst>
         </p:spPr>
         <p:txBody>
           <a:bodyPr lIns="91423" tIns="91423" rIns="91423" bIns="91423">
-            <a:normAutofit fontScale="100000" lnSpcReduction="0"/>
+            <a:normAutofit lnSpcReduction="10000"/>
           </a:bodyPr>
           <a:lstStyle/>
           <a:p>
@@ -4099,12 +4236,19 @@
   <p:clrMapOvr>
     <a:masterClrMapping/>
   </p:clrMapOvr>
-  <p:transition xmlns:p14="http://schemas.microsoft.com/office/powerpoint/2010/main" spd="med" advClick="1"/>
+  <p:transition spd="med"/>
+  <p:timing>
+    <p:tnLst>
+      <p:par>
+        <p:cTn id="1" dur="indefinite" restart="never" nodeType="tmRoot"/>
+      </p:par>
+    </p:tnLst>
+  </p:timing>
 </p:sld>
 </file>
 
 <file path=ppt/slides/slide13.xml><?xml version="1.0" encoding="utf-8"?>
-<p:sld xmlns:a="http://schemas.openxmlformats.org/drawingml/2006/main" xmlns:r="http://schemas.openxmlformats.org/officeDocument/2006/relationships" xmlns:p="http://schemas.openxmlformats.org/presentationml/2006/main" xmlns:m="http://schemas.openxmlformats.org/officeDocument/2006/math" xmlns:a14="http://schemas.microsoft.com/office/drawing/2010/main" showMasterSp="1" showMasterPhAnim="1">
+<p:sld xmlns:a="http://schemas.openxmlformats.org/drawingml/2006/main" xmlns:r="http://schemas.openxmlformats.org/officeDocument/2006/relationships" xmlns:p="http://schemas.openxmlformats.org/presentationml/2006/main">
   <p:cSld>
     <p:spTree>
       <p:nvGrpSpPr>
@@ -4123,7 +4267,9 @@
       <p:sp>
         <p:nvSpPr>
           <p:cNvPr id="159" name="Title 1"/>
-          <p:cNvSpPr txBox="1"/>
+          <p:cNvSpPr txBox="1">
+            <a:spLocks noGrp="1"/>
+          </p:cNvSpPr>
           <p:nvPr>
             <p:ph type="title"/>
           </p:nvPr>
@@ -4145,7 +4291,6 @@
             </a:lvl1pPr>
           </a:lstStyle>
           <a:p>
-            <a:pPr/>
             <a:r>
               <a:t>seed() Function</a:t>
             </a:r>
@@ -4155,7 +4300,9 @@
       <p:sp>
         <p:nvSpPr>
           <p:cNvPr id="160" name="Text Placeholder 2"/>
-          <p:cNvSpPr txBox="1"/>
+          <p:cNvSpPr txBox="1">
+            <a:spLocks noGrp="1"/>
+          </p:cNvSpPr>
           <p:nvPr>
             <p:ph type="body" sz="quarter" idx="1"/>
           </p:nvPr>
@@ -4180,7 +4327,7 @@
             <a:round/>
           </a:ln>
           <a:effectLst>
-            <a:outerShdw sx="100000" sy="100000" kx="0" ky="0" algn="b" rotWithShape="0" blurRad="38100" dist="23000" dir="5400000">
+            <a:outerShdw blurRad="38100" dist="23000" dir="5400000" rotWithShape="0">
               <a:srgbClr val="000000">
                 <a:alpha val="35000"/>
               </a:srgbClr>
@@ -4276,7 +4423,7 @@
             <a:miter lim="400000"/>
           </a:ln>
           <a:effectLst>
-            <a:outerShdw sx="100000" sy="100000" kx="0" ky="0" algn="b" rotWithShape="0" blurRad="38100" dist="23000" dir="5400000">
+            <a:outerShdw blurRad="38100" dist="23000" dir="5400000" rotWithShape="0">
               <a:srgbClr val="000000">
                 <a:alpha val="35000"/>
               </a:srgbClr>
@@ -4284,13 +4431,13 @@
           </a:effectLst>
           <a:extLst>
             <a:ext uri="{C572A759-6A51-4108-AA02-DFA0A04FC94B}">
-              <ma14:wrappingTextBoxFlag xmlns:ma14="http://schemas.microsoft.com/office/mac/drawingml/2011/main" val="1"/>
+              <ma14:wrappingTextBoxFlag xmlns:ma14="http://schemas.microsoft.com/office/mac/drawingml/2011/main" xmlns:a14="http://schemas.microsoft.com/office/drawing/2010/main" xmlns:m="http://schemas.openxmlformats.org/officeDocument/2006/math" xmlns="" val="1"/>
             </a:ext>
           </a:extLst>
         </p:spPr>
         <p:txBody>
           <a:bodyPr lIns="91423" tIns="91423" rIns="91423" bIns="91423">
-            <a:normAutofit fontScale="100000" lnSpcReduction="0"/>
+            <a:normAutofit/>
           </a:bodyPr>
           <a:lstStyle/>
           <a:p>
@@ -4328,12 +4475,19 @@
   <p:clrMapOvr>
     <a:masterClrMapping/>
   </p:clrMapOvr>
-  <p:transition xmlns:p14="http://schemas.microsoft.com/office/powerpoint/2010/main" spd="med" advClick="1"/>
+  <p:transition spd="med"/>
+  <p:timing>
+    <p:tnLst>
+      <p:par>
+        <p:cTn id="1" dur="indefinite" restart="never" nodeType="tmRoot"/>
+      </p:par>
+    </p:tnLst>
+  </p:timing>
 </p:sld>
 </file>
 
 <file path=ppt/slides/slide14.xml><?xml version="1.0" encoding="utf-8"?>
-<p:sld xmlns:a="http://schemas.openxmlformats.org/drawingml/2006/main" xmlns:r="http://schemas.openxmlformats.org/officeDocument/2006/relationships" xmlns:p="http://schemas.openxmlformats.org/presentationml/2006/main" xmlns:m="http://schemas.openxmlformats.org/officeDocument/2006/math" xmlns:a14="http://schemas.microsoft.com/office/drawing/2010/main" showMasterSp="1" showMasterPhAnim="1">
+<p:sld xmlns:a="http://schemas.openxmlformats.org/drawingml/2006/main" xmlns:r="http://schemas.openxmlformats.org/officeDocument/2006/relationships" xmlns:p="http://schemas.openxmlformats.org/presentationml/2006/main">
   <p:cSld>
     <p:spTree>
       <p:nvGrpSpPr>
@@ -4352,7 +4506,9 @@
       <p:sp>
         <p:nvSpPr>
           <p:cNvPr id="163" name="shuffle(seq)"/>
-          <p:cNvSpPr txBox="1"/>
+          <p:cNvSpPr txBox="1">
+            <a:spLocks noGrp="1"/>
+          </p:cNvSpPr>
           <p:nvPr>
             <p:ph type="title"/>
           </p:nvPr>
@@ -4370,7 +4526,6 @@
             </a:lvl1pPr>
           </a:lstStyle>
           <a:p>
-            <a:pPr/>
             <a:r>
               <a:t>shuffle(seq)</a:t>
             </a:r>
@@ -4380,7 +4535,9 @@
       <p:sp>
         <p:nvSpPr>
           <p:cNvPr id="164" name="It shuffles the order of the sequence"/>
-          <p:cNvSpPr txBox="1"/>
+          <p:cNvSpPr txBox="1">
+            <a:spLocks noGrp="1"/>
+          </p:cNvSpPr>
           <p:nvPr>
             <p:ph type="body" sz="quarter" idx="1"/>
           </p:nvPr>
@@ -4403,7 +4560,6 @@
             </a:lvl1pPr>
           </a:lstStyle>
           <a:p>
-            <a:pPr/>
             <a:r>
               <a:t>It shuffles the order of the sequence</a:t>
             </a:r>
@@ -4435,7 +4591,7 @@
             </a:solidFill>
           </a:ln>
           <a:effectLst>
-            <a:outerShdw sx="100000" sy="100000" kx="0" ky="0" algn="b" rotWithShape="0" blurRad="38100" dist="23000" dir="5400000">
+            <a:outerShdw blurRad="38100" dist="23000" dir="5400000" rotWithShape="0">
               <a:srgbClr val="000000">
                 <a:alpha val="35000"/>
               </a:srgbClr>
@@ -4443,13 +4599,13 @@
           </a:effectLst>
           <a:extLst>
             <a:ext uri="{C572A759-6A51-4108-AA02-DFA0A04FC94B}">
-              <ma14:wrappingTextBoxFlag xmlns:ma14="http://schemas.microsoft.com/office/mac/drawingml/2011/main" val="1"/>
+              <ma14:wrappingTextBoxFlag xmlns:ma14="http://schemas.microsoft.com/office/mac/drawingml/2011/main" xmlns:a14="http://schemas.microsoft.com/office/drawing/2010/main" xmlns:m="http://schemas.openxmlformats.org/officeDocument/2006/math" xmlns="" val="1"/>
             </a:ext>
           </a:extLst>
         </p:spPr>
         <p:txBody>
           <a:bodyPr lIns="91423" tIns="91423" rIns="91423" bIns="91423">
-            <a:normAutofit fontScale="100000" lnSpcReduction="0"/>
+            <a:normAutofit/>
           </a:bodyPr>
           <a:lstStyle/>
           <a:p>
@@ -4514,6 +4670,7 @@
               </a:buClr>
               <a:buFont typeface="Helvetica"/>
             </a:pPr>
+            <a:endParaRPr/>
           </a:p>
         </p:txBody>
       </p:sp>
@@ -4522,12 +4679,19 @@
   <p:clrMapOvr>
     <a:masterClrMapping/>
   </p:clrMapOvr>
-  <p:transition xmlns:p14="http://schemas.microsoft.com/office/powerpoint/2010/main" spd="med" advClick="1"/>
+  <p:transition spd="med"/>
+  <p:timing>
+    <p:tnLst>
+      <p:par>
+        <p:cTn id="1" dur="indefinite" restart="never" nodeType="tmRoot"/>
+      </p:par>
+    </p:tnLst>
+  </p:timing>
 </p:sld>
 </file>
 
 <file path=ppt/slides/slide2.xml><?xml version="1.0" encoding="utf-8"?>
-<p:sld xmlns:a="http://schemas.openxmlformats.org/drawingml/2006/main" xmlns:r="http://schemas.openxmlformats.org/officeDocument/2006/relationships" xmlns:p="http://schemas.openxmlformats.org/presentationml/2006/main" xmlns:m="http://schemas.openxmlformats.org/officeDocument/2006/math" xmlns:a14="http://schemas.microsoft.com/office/drawing/2010/main" showMasterSp="1" showMasterPhAnim="1">
+<p:sld xmlns:a="http://schemas.openxmlformats.org/drawingml/2006/main" xmlns:r="http://schemas.openxmlformats.org/officeDocument/2006/relationships" xmlns:p="http://schemas.openxmlformats.org/presentationml/2006/main">
   <p:cSld>
     <p:spTree>
       <p:nvGrpSpPr>
@@ -4546,7 +4710,9 @@
       <p:sp>
         <p:nvSpPr>
           <p:cNvPr id="119" name="Sequence"/>
-          <p:cNvSpPr txBox="1"/>
+          <p:cNvSpPr txBox="1">
+            <a:spLocks noGrp="1"/>
+          </p:cNvSpPr>
           <p:nvPr>
             <p:ph type="title"/>
           </p:nvPr>
@@ -4568,7 +4734,6 @@
             </a:lvl1pPr>
           </a:lstStyle>
           <a:p>
-            <a:pPr/>
             <a:r>
               <a:t>Numbers</a:t>
             </a:r>
@@ -4578,7 +4743,9 @@
       <p:sp>
         <p:nvSpPr>
           <p:cNvPr id="120" name="Sequence of elements…"/>
-          <p:cNvSpPr txBox="1"/>
+          <p:cNvSpPr txBox="1">
+            <a:spLocks noGrp="1"/>
+          </p:cNvSpPr>
           <p:nvPr>
             <p:ph type="body" sz="half" idx="1"/>
           </p:nvPr>
@@ -4629,12 +4796,19 @@
   <p:clrMapOvr>
     <a:masterClrMapping/>
   </p:clrMapOvr>
-  <p:transition xmlns:p14="http://schemas.microsoft.com/office/powerpoint/2010/main" spd="med" advClick="1"/>
+  <p:transition spd="med"/>
+  <p:timing>
+    <p:tnLst>
+      <p:par>
+        <p:cTn id="1" dur="indefinite" restart="never" nodeType="tmRoot"/>
+      </p:par>
+    </p:tnLst>
+  </p:timing>
 </p:sld>
 </file>
 
 <file path=ppt/slides/slide3.xml><?xml version="1.0" encoding="utf-8"?>
-<p:sld xmlns:a="http://schemas.openxmlformats.org/drawingml/2006/main" xmlns:r="http://schemas.openxmlformats.org/officeDocument/2006/relationships" xmlns:p="http://schemas.openxmlformats.org/presentationml/2006/main" xmlns:m="http://schemas.openxmlformats.org/officeDocument/2006/math" xmlns:a14="http://schemas.microsoft.com/office/drawing/2010/main" showMasterSp="1" showMasterPhAnim="1">
+<p:sld xmlns:a="http://schemas.openxmlformats.org/drawingml/2006/main" xmlns:r="http://schemas.openxmlformats.org/officeDocument/2006/relationships" xmlns:p="http://schemas.openxmlformats.org/presentationml/2006/main">
   <p:cSld>
     <p:spTree>
       <p:nvGrpSpPr>
@@ -4669,7 +4843,7 @@
           </a:ln>
           <a:extLst>
             <a:ext uri="{C572A759-6A51-4108-AA02-DFA0A04FC94B}">
-              <ma14:wrappingTextBoxFlag xmlns:ma14="http://schemas.microsoft.com/office/mac/drawingml/2011/main" val="1"/>
+              <ma14:wrappingTextBoxFlag xmlns:ma14="http://schemas.microsoft.com/office/mac/drawingml/2011/main" xmlns:a14="http://schemas.microsoft.com/office/drawing/2010/main" xmlns:m="http://schemas.openxmlformats.org/officeDocument/2006/math" xmlns="" val="1"/>
             </a:ext>
           </a:extLst>
         </p:spPr>
@@ -4679,7 +4853,7 @@
           </a:bodyPr>
           <a:lstStyle>
             <a:lvl1pPr>
-              <a:defRPr b="1" sz="3200">
+              <a:defRPr sz="3200" b="1">
                 <a:solidFill>
                   <a:srgbClr val="1A1A1A"/>
                 </a:solidFill>
@@ -4691,7 +4865,6 @@
             </a:lvl1pPr>
           </a:lstStyle>
           <a:p>
-            <a:pPr/>
             <a:r>
               <a:t>Mathematical Functions </a:t>
             </a:r>
@@ -4703,12 +4876,19 @@
   <p:clrMapOvr>
     <a:masterClrMapping/>
   </p:clrMapOvr>
-  <p:transition xmlns:p14="http://schemas.microsoft.com/office/powerpoint/2010/main" spd="med" advClick="1"/>
+  <p:transition spd="med"/>
+  <p:timing>
+    <p:tnLst>
+      <p:par>
+        <p:cTn id="1" dur="indefinite" restart="never" nodeType="tmRoot"/>
+      </p:par>
+    </p:tnLst>
+  </p:timing>
 </p:sld>
 </file>
 
 <file path=ppt/slides/slide4.xml><?xml version="1.0" encoding="utf-8"?>
-<p:sld xmlns:a="http://schemas.openxmlformats.org/drawingml/2006/main" xmlns:r="http://schemas.openxmlformats.org/officeDocument/2006/relationships" xmlns:p="http://schemas.openxmlformats.org/presentationml/2006/main" xmlns:m="http://schemas.openxmlformats.org/officeDocument/2006/math" xmlns:a14="http://schemas.microsoft.com/office/drawing/2010/main" showMasterSp="1" showMasterPhAnim="1">
+<p:sld xmlns:a="http://schemas.openxmlformats.org/drawingml/2006/main" xmlns:r="http://schemas.openxmlformats.org/officeDocument/2006/relationships" xmlns:p="http://schemas.openxmlformats.org/presentationml/2006/main">
   <p:cSld>
     <p:spTree>
       <p:nvGrpSpPr>
@@ -4727,7 +4907,9 @@
       <p:sp>
         <p:nvSpPr>
           <p:cNvPr id="124" name="Title 1"/>
-          <p:cNvSpPr txBox="1"/>
+          <p:cNvSpPr txBox="1">
+            <a:spLocks noGrp="1"/>
+          </p:cNvSpPr>
           <p:nvPr>
             <p:ph type="title"/>
           </p:nvPr>
@@ -4749,7 +4931,6 @@
             </a:lvl1pPr>
           </a:lstStyle>
           <a:p>
-            <a:pPr/>
             <a:r>
               <a:t>round() Function</a:t>
             </a:r>
@@ -4759,7 +4940,9 @@
       <p:sp>
         <p:nvSpPr>
           <p:cNvPr id="125" name="Text Placeholder 2"/>
-          <p:cNvSpPr txBox="1"/>
+          <p:cNvSpPr txBox="1">
+            <a:spLocks noGrp="1"/>
+          </p:cNvSpPr>
           <p:nvPr>
             <p:ph type="body" sz="quarter" idx="1"/>
           </p:nvPr>
@@ -4784,7 +4967,7 @@
             <a:round/>
           </a:ln>
           <a:effectLst>
-            <a:outerShdw sx="100000" sy="100000" kx="0" ky="0" algn="b" rotWithShape="0" blurRad="38100" dist="23000" dir="5400000">
+            <a:outerShdw blurRad="38100" dist="23000" dir="5400000" rotWithShape="0">
               <a:srgbClr val="000000">
                 <a:alpha val="35000"/>
               </a:srgbClr>
@@ -4880,7 +5063,7 @@
             <a:miter lim="400000"/>
           </a:ln>
           <a:effectLst>
-            <a:outerShdw sx="100000" sy="100000" kx="0" ky="0" algn="b" rotWithShape="0" blurRad="38100" dist="23000" dir="5400000">
+            <a:outerShdw blurRad="38100" dist="23000" dir="5400000" rotWithShape="0">
               <a:srgbClr val="000000">
                 <a:alpha val="35000"/>
               </a:srgbClr>
@@ -4888,13 +5071,13 @@
           </a:effectLst>
           <a:extLst>
             <a:ext uri="{C572A759-6A51-4108-AA02-DFA0A04FC94B}">
-              <ma14:wrappingTextBoxFlag xmlns:ma14="http://schemas.microsoft.com/office/mac/drawingml/2011/main" val="1"/>
+              <ma14:wrappingTextBoxFlag xmlns:ma14="http://schemas.microsoft.com/office/mac/drawingml/2011/main" xmlns:a14="http://schemas.microsoft.com/office/drawing/2010/main" xmlns:m="http://schemas.openxmlformats.org/officeDocument/2006/math" xmlns="" val="1"/>
             </a:ext>
           </a:extLst>
         </p:spPr>
         <p:txBody>
           <a:bodyPr lIns="91423" tIns="91423" rIns="91423" bIns="91423">
-            <a:normAutofit fontScale="100000" lnSpcReduction="0"/>
+            <a:normAutofit/>
           </a:bodyPr>
           <a:lstStyle>
             <a:lvl1pPr>
@@ -4908,7 +5091,6 @@
             </a:lvl1pPr>
           </a:lstStyle>
           <a:p>
-            <a:pPr/>
             <a:r>
               <a:t>Round function will return a rounded value of the given number</a:t>
             </a:r>
@@ -4920,12 +5102,19 @@
   <p:clrMapOvr>
     <a:masterClrMapping/>
   </p:clrMapOvr>
-  <p:transition xmlns:p14="http://schemas.microsoft.com/office/powerpoint/2010/main" spd="med" advClick="1"/>
+  <p:transition spd="med"/>
+  <p:timing>
+    <p:tnLst>
+      <p:par>
+        <p:cTn id="1" dur="indefinite" restart="never" nodeType="tmRoot"/>
+      </p:par>
+    </p:tnLst>
+  </p:timing>
 </p:sld>
 </file>
 
 <file path=ppt/slides/slide5.xml><?xml version="1.0" encoding="utf-8"?>
-<p:sld xmlns:a="http://schemas.openxmlformats.org/drawingml/2006/main" xmlns:r="http://schemas.openxmlformats.org/officeDocument/2006/relationships" xmlns:p="http://schemas.openxmlformats.org/presentationml/2006/main" xmlns:m="http://schemas.openxmlformats.org/officeDocument/2006/math" xmlns:a14="http://schemas.microsoft.com/office/drawing/2010/main" showMasterSp="1" showMasterPhAnim="1">
+<p:sld xmlns:a="http://schemas.openxmlformats.org/drawingml/2006/main" xmlns:r="http://schemas.openxmlformats.org/officeDocument/2006/relationships" xmlns:p="http://schemas.openxmlformats.org/presentationml/2006/main">
   <p:cSld>
     <p:spTree>
       <p:nvGrpSpPr>
@@ -4944,7 +5133,9 @@
       <p:sp>
         <p:nvSpPr>
           <p:cNvPr id="128" name="Title 1"/>
-          <p:cNvSpPr txBox="1"/>
+          <p:cNvSpPr txBox="1">
+            <a:spLocks noGrp="1"/>
+          </p:cNvSpPr>
           <p:nvPr>
             <p:ph type="title"/>
           </p:nvPr>
@@ -4966,7 +5157,6 @@
             </a:lvl1pPr>
           </a:lstStyle>
           <a:p>
-            <a:pPr/>
             <a:r>
               <a:t>floor() Function</a:t>
             </a:r>
@@ -4976,7 +5166,9 @@
       <p:sp>
         <p:nvSpPr>
           <p:cNvPr id="129" name="Text Placeholder 2"/>
-          <p:cNvSpPr txBox="1"/>
+          <p:cNvSpPr txBox="1">
+            <a:spLocks noGrp="1"/>
+          </p:cNvSpPr>
           <p:nvPr>
             <p:ph type="body" sz="quarter" idx="1"/>
           </p:nvPr>
@@ -5001,7 +5193,7 @@
             <a:round/>
           </a:ln>
           <a:effectLst>
-            <a:outerShdw sx="100000" sy="100000" kx="0" ky="0" algn="b" rotWithShape="0" blurRad="38100" dist="23000" dir="5400000">
+            <a:outerShdw blurRad="38100" dist="23000" dir="5400000" rotWithShape="0">
               <a:srgbClr val="000000">
                 <a:alpha val="35000"/>
               </a:srgbClr>
@@ -5097,7 +5289,7 @@
             <a:miter lim="400000"/>
           </a:ln>
           <a:effectLst>
-            <a:outerShdw sx="100000" sy="100000" kx="0" ky="0" algn="b" rotWithShape="0" blurRad="38100" dist="23000" dir="5400000">
+            <a:outerShdw blurRad="38100" dist="23000" dir="5400000" rotWithShape="0">
               <a:srgbClr val="000000">
                 <a:alpha val="35000"/>
               </a:srgbClr>
@@ -5105,13 +5297,13 @@
           </a:effectLst>
           <a:extLst>
             <a:ext uri="{C572A759-6A51-4108-AA02-DFA0A04FC94B}">
-              <ma14:wrappingTextBoxFlag xmlns:ma14="http://schemas.microsoft.com/office/mac/drawingml/2011/main" val="1"/>
+              <ma14:wrappingTextBoxFlag xmlns:ma14="http://schemas.microsoft.com/office/mac/drawingml/2011/main" xmlns:a14="http://schemas.microsoft.com/office/drawing/2010/main" xmlns:m="http://schemas.openxmlformats.org/officeDocument/2006/math" xmlns="" val="1"/>
             </a:ext>
           </a:extLst>
         </p:spPr>
         <p:txBody>
           <a:bodyPr lIns="91423" tIns="91423" rIns="91423" bIns="91423">
-            <a:normAutofit fontScale="100000" lnSpcReduction="0"/>
+            <a:normAutofit/>
           </a:bodyPr>
           <a:lstStyle>
             <a:lvl1pPr>
@@ -5125,7 +5317,6 @@
             </a:lvl1pPr>
           </a:lstStyle>
           <a:p>
-            <a:pPr/>
             <a:r>
               <a:t>Floor function will round down the value passed to it</a:t>
             </a:r>
@@ -5137,12 +5328,19 @@
   <p:clrMapOvr>
     <a:masterClrMapping/>
   </p:clrMapOvr>
-  <p:transition xmlns:p14="http://schemas.microsoft.com/office/powerpoint/2010/main" spd="med" advClick="1"/>
+  <p:transition spd="med"/>
+  <p:timing>
+    <p:tnLst>
+      <p:par>
+        <p:cTn id="1" dur="indefinite" restart="never" nodeType="tmRoot"/>
+      </p:par>
+    </p:tnLst>
+  </p:timing>
 </p:sld>
 </file>
 
 <file path=ppt/slides/slide6.xml><?xml version="1.0" encoding="utf-8"?>
-<p:sld xmlns:a="http://schemas.openxmlformats.org/drawingml/2006/main" xmlns:r="http://schemas.openxmlformats.org/officeDocument/2006/relationships" xmlns:p="http://schemas.openxmlformats.org/presentationml/2006/main" xmlns:m="http://schemas.openxmlformats.org/officeDocument/2006/math" xmlns:a14="http://schemas.microsoft.com/office/drawing/2010/main" showMasterSp="1" showMasterPhAnim="1">
+<p:sld xmlns:a="http://schemas.openxmlformats.org/drawingml/2006/main" xmlns:r="http://schemas.openxmlformats.org/officeDocument/2006/relationships" xmlns:p="http://schemas.openxmlformats.org/presentationml/2006/main">
   <p:cSld>
     <p:spTree>
       <p:nvGrpSpPr>
@@ -5161,7 +5359,9 @@
       <p:sp>
         <p:nvSpPr>
           <p:cNvPr id="132" name="Title 1"/>
-          <p:cNvSpPr txBox="1"/>
+          <p:cNvSpPr txBox="1">
+            <a:spLocks noGrp="1"/>
+          </p:cNvSpPr>
           <p:nvPr>
             <p:ph type="title"/>
           </p:nvPr>
@@ -5183,7 +5383,6 @@
             </a:lvl1pPr>
           </a:lstStyle>
           <a:p>
-            <a:pPr/>
             <a:r>
               <a:t>ceil() Function</a:t>
             </a:r>
@@ -5193,7 +5392,9 @@
       <p:sp>
         <p:nvSpPr>
           <p:cNvPr id="133" name="Text Placeholder 2"/>
-          <p:cNvSpPr txBox="1"/>
+          <p:cNvSpPr txBox="1">
+            <a:spLocks noGrp="1"/>
+          </p:cNvSpPr>
           <p:nvPr>
             <p:ph type="body" sz="quarter" idx="1"/>
           </p:nvPr>
@@ -5218,7 +5419,7 @@
             <a:round/>
           </a:ln>
           <a:effectLst>
-            <a:outerShdw sx="100000" sy="100000" kx="0" ky="0" algn="b" rotWithShape="0" blurRad="38100" dist="23000" dir="5400000">
+            <a:outerShdw blurRad="38100" dist="23000" dir="5400000" rotWithShape="0">
               <a:srgbClr val="000000">
                 <a:alpha val="35000"/>
               </a:srgbClr>
@@ -5314,7 +5515,7 @@
             <a:miter lim="400000"/>
           </a:ln>
           <a:effectLst>
-            <a:outerShdw sx="100000" sy="100000" kx="0" ky="0" algn="b" rotWithShape="0" blurRad="38100" dist="23000" dir="5400000">
+            <a:outerShdw blurRad="38100" dist="23000" dir="5400000" rotWithShape="0">
               <a:srgbClr val="000000">
                 <a:alpha val="35000"/>
               </a:srgbClr>
@@ -5322,13 +5523,13 @@
           </a:effectLst>
           <a:extLst>
             <a:ext uri="{C572A759-6A51-4108-AA02-DFA0A04FC94B}">
-              <ma14:wrappingTextBoxFlag xmlns:ma14="http://schemas.microsoft.com/office/mac/drawingml/2011/main" val="1"/>
+              <ma14:wrappingTextBoxFlag xmlns:ma14="http://schemas.microsoft.com/office/mac/drawingml/2011/main" xmlns:a14="http://schemas.microsoft.com/office/drawing/2010/main" xmlns:m="http://schemas.openxmlformats.org/officeDocument/2006/math" xmlns="" val="1"/>
             </a:ext>
           </a:extLst>
         </p:spPr>
         <p:txBody>
           <a:bodyPr lIns="91423" tIns="91423" rIns="91423" bIns="91423">
-            <a:normAutofit fontScale="100000" lnSpcReduction="0"/>
+            <a:normAutofit/>
           </a:bodyPr>
           <a:lstStyle>
             <a:lvl1pPr>
@@ -5342,7 +5543,6 @@
             </a:lvl1pPr>
           </a:lstStyle>
           <a:p>
-            <a:pPr/>
             <a:r>
               <a:t>Ceil will return the rounded up value to nearest integer</a:t>
             </a:r>
@@ -5354,12 +5554,19 @@
   <p:clrMapOvr>
     <a:masterClrMapping/>
   </p:clrMapOvr>
-  <p:transition xmlns:p14="http://schemas.microsoft.com/office/powerpoint/2010/main" spd="med" advClick="1"/>
+  <p:transition spd="med"/>
+  <p:timing>
+    <p:tnLst>
+      <p:par>
+        <p:cTn id="1" dur="indefinite" restart="never" nodeType="tmRoot"/>
+      </p:par>
+    </p:tnLst>
+  </p:timing>
 </p:sld>
 </file>
 
 <file path=ppt/slides/slide7.xml><?xml version="1.0" encoding="utf-8"?>
-<p:sld xmlns:a="http://schemas.openxmlformats.org/drawingml/2006/main" xmlns:r="http://schemas.openxmlformats.org/officeDocument/2006/relationships" xmlns:p="http://schemas.openxmlformats.org/presentationml/2006/main" xmlns:m="http://schemas.openxmlformats.org/officeDocument/2006/math" xmlns:a14="http://schemas.microsoft.com/office/drawing/2010/main" showMasterSp="1" showMasterPhAnim="1">
+<p:sld xmlns:a="http://schemas.openxmlformats.org/drawingml/2006/main" xmlns:r="http://schemas.openxmlformats.org/officeDocument/2006/relationships" xmlns:p="http://schemas.openxmlformats.org/presentationml/2006/main">
   <p:cSld>
     <p:spTree>
       <p:nvGrpSpPr>
@@ -5378,7 +5585,9 @@
       <p:sp>
         <p:nvSpPr>
           <p:cNvPr id="136" name="Title 1"/>
-          <p:cNvSpPr txBox="1"/>
+          <p:cNvSpPr txBox="1">
+            <a:spLocks noGrp="1"/>
+          </p:cNvSpPr>
           <p:nvPr>
             <p:ph type="title"/>
           </p:nvPr>
@@ -5400,7 +5609,6 @@
             </a:lvl1pPr>
           </a:lstStyle>
           <a:p>
-            <a:pPr/>
             <a:r>
               <a:t>pow() Function</a:t>
             </a:r>
@@ -5410,7 +5618,9 @@
       <p:sp>
         <p:nvSpPr>
           <p:cNvPr id="137" name="Text Placeholder 2"/>
-          <p:cNvSpPr txBox="1"/>
+          <p:cNvSpPr txBox="1">
+            <a:spLocks noGrp="1"/>
+          </p:cNvSpPr>
           <p:nvPr>
             <p:ph type="body" sz="half" idx="1"/>
           </p:nvPr>
@@ -5435,7 +5645,7 @@
             <a:round/>
           </a:ln>
           <a:effectLst>
-            <a:outerShdw sx="100000" sy="100000" kx="0" ky="0" algn="b" rotWithShape="0" blurRad="38100" dist="23000" dir="5400000">
+            <a:outerShdw blurRad="38100" dist="23000" dir="5400000" rotWithShape="0">
               <a:srgbClr val="000000">
                 <a:alpha val="35000"/>
               </a:srgbClr>
@@ -5531,7 +5741,7 @@
             <a:miter lim="400000"/>
           </a:ln>
           <a:effectLst>
-            <a:outerShdw sx="100000" sy="100000" kx="0" ky="0" algn="b" rotWithShape="0" blurRad="38100" dist="23000" dir="5400000">
+            <a:outerShdw blurRad="38100" dist="23000" dir="5400000" rotWithShape="0">
               <a:srgbClr val="000000">
                 <a:alpha val="35000"/>
               </a:srgbClr>
@@ -5539,13 +5749,13 @@
           </a:effectLst>
           <a:extLst>
             <a:ext uri="{C572A759-6A51-4108-AA02-DFA0A04FC94B}">
-              <ma14:wrappingTextBoxFlag xmlns:ma14="http://schemas.microsoft.com/office/mac/drawingml/2011/main" val="1"/>
+              <ma14:wrappingTextBoxFlag xmlns:ma14="http://schemas.microsoft.com/office/mac/drawingml/2011/main" xmlns:a14="http://schemas.microsoft.com/office/drawing/2010/main" xmlns:m="http://schemas.openxmlformats.org/officeDocument/2006/math" xmlns="" val="1"/>
             </a:ext>
           </a:extLst>
         </p:spPr>
         <p:txBody>
           <a:bodyPr lIns="91423" tIns="91423" rIns="91423" bIns="91423">
-            <a:normAutofit fontScale="100000" lnSpcReduction="0"/>
+            <a:normAutofit lnSpcReduction="10000"/>
           </a:bodyPr>
           <a:lstStyle>
             <a:lvl1pPr defTabSz="786384">
@@ -5559,7 +5769,6 @@
             </a:lvl1pPr>
           </a:lstStyle>
           <a:p>
-            <a:pPr/>
             <a:r>
               <a:t>Power function will calculate the power </a:t>
             </a:r>
@@ -5571,12 +5780,19 @@
   <p:clrMapOvr>
     <a:masterClrMapping/>
   </p:clrMapOvr>
-  <p:transition xmlns:p14="http://schemas.microsoft.com/office/powerpoint/2010/main" spd="med" advClick="1"/>
+  <p:transition spd="med"/>
+  <p:timing>
+    <p:tnLst>
+      <p:par>
+        <p:cTn id="1" dur="indefinite" restart="never" nodeType="tmRoot"/>
+      </p:par>
+    </p:tnLst>
+  </p:timing>
 </p:sld>
 </file>
 
 <file path=ppt/slides/slide8.xml><?xml version="1.0" encoding="utf-8"?>
-<p:sld xmlns:a="http://schemas.openxmlformats.org/drawingml/2006/main" xmlns:r="http://schemas.openxmlformats.org/officeDocument/2006/relationships" xmlns:p="http://schemas.openxmlformats.org/presentationml/2006/main" xmlns:m="http://schemas.openxmlformats.org/officeDocument/2006/math" xmlns:a14="http://schemas.microsoft.com/office/drawing/2010/main" showMasterSp="1" showMasterPhAnim="1">
+<p:sld xmlns:a="http://schemas.openxmlformats.org/drawingml/2006/main" xmlns:r="http://schemas.openxmlformats.org/officeDocument/2006/relationships" xmlns:p="http://schemas.openxmlformats.org/presentationml/2006/main">
   <p:cSld>
     <p:spTree>
       <p:nvGrpSpPr>
@@ -5595,7 +5811,9 @@
       <p:sp>
         <p:nvSpPr>
           <p:cNvPr id="140" name="Title 1"/>
-          <p:cNvSpPr txBox="1"/>
+          <p:cNvSpPr txBox="1">
+            <a:spLocks noGrp="1"/>
+          </p:cNvSpPr>
           <p:nvPr>
             <p:ph type="title"/>
           </p:nvPr>
@@ -5617,7 +5835,6 @@
             </a:lvl1pPr>
           </a:lstStyle>
           <a:p>
-            <a:pPr/>
             <a:r>
               <a:t>sqrt() Function</a:t>
             </a:r>
@@ -5627,7 +5844,9 @@
       <p:sp>
         <p:nvSpPr>
           <p:cNvPr id="141" name="Text Placeholder 2"/>
-          <p:cNvSpPr txBox="1"/>
+          <p:cNvSpPr txBox="1">
+            <a:spLocks noGrp="1"/>
+          </p:cNvSpPr>
           <p:nvPr>
             <p:ph type="body" sz="quarter" idx="1"/>
           </p:nvPr>
@@ -5652,7 +5871,7 @@
             <a:round/>
           </a:ln>
           <a:effectLst>
-            <a:outerShdw sx="100000" sy="100000" kx="0" ky="0" algn="b" rotWithShape="0" blurRad="38100" dist="23000" dir="5400000">
+            <a:outerShdw blurRad="38100" dist="23000" dir="5400000" rotWithShape="0">
               <a:srgbClr val="000000">
                 <a:alpha val="35000"/>
               </a:srgbClr>
@@ -5748,7 +5967,7 @@
             <a:miter lim="400000"/>
           </a:ln>
           <a:effectLst>
-            <a:outerShdw sx="100000" sy="100000" kx="0" ky="0" algn="b" rotWithShape="0" blurRad="38100" dist="23000" dir="5400000">
+            <a:outerShdw blurRad="38100" dist="23000" dir="5400000" rotWithShape="0">
               <a:srgbClr val="000000">
                 <a:alpha val="35000"/>
               </a:srgbClr>
@@ -5756,13 +5975,13 @@
           </a:effectLst>
           <a:extLst>
             <a:ext uri="{C572A759-6A51-4108-AA02-DFA0A04FC94B}">
-              <ma14:wrappingTextBoxFlag xmlns:ma14="http://schemas.microsoft.com/office/mac/drawingml/2011/main" val="1"/>
+              <ma14:wrappingTextBoxFlag xmlns:ma14="http://schemas.microsoft.com/office/mac/drawingml/2011/main" xmlns:a14="http://schemas.microsoft.com/office/drawing/2010/main" xmlns:m="http://schemas.openxmlformats.org/officeDocument/2006/math" xmlns="" val="1"/>
             </a:ext>
           </a:extLst>
         </p:spPr>
         <p:txBody>
           <a:bodyPr lIns="91423" tIns="91423" rIns="91423" bIns="91423">
-            <a:normAutofit fontScale="100000" lnSpcReduction="0"/>
+            <a:normAutofit/>
           </a:bodyPr>
           <a:lstStyle>
             <a:lvl1pPr>
@@ -5776,7 +5995,6 @@
             </a:lvl1pPr>
           </a:lstStyle>
           <a:p>
-            <a:pPr/>
             <a:r>
               <a:t>It will return the squareroot of the passed number</a:t>
             </a:r>
@@ -5788,12 +6006,19 @@
   <p:clrMapOvr>
     <a:masterClrMapping/>
   </p:clrMapOvr>
-  <p:transition xmlns:p14="http://schemas.microsoft.com/office/powerpoint/2010/main" spd="med" advClick="1"/>
+  <p:transition spd="med"/>
+  <p:timing>
+    <p:tnLst>
+      <p:par>
+        <p:cTn id="1" dur="indefinite" restart="never" nodeType="tmRoot"/>
+      </p:par>
+    </p:tnLst>
+  </p:timing>
 </p:sld>
 </file>
 
 <file path=ppt/slides/slide9.xml><?xml version="1.0" encoding="utf-8"?>
-<p:sld xmlns:a="http://schemas.openxmlformats.org/drawingml/2006/main" xmlns:r="http://schemas.openxmlformats.org/officeDocument/2006/relationships" xmlns:p="http://schemas.openxmlformats.org/presentationml/2006/main" xmlns:m="http://schemas.openxmlformats.org/officeDocument/2006/math" xmlns:a14="http://schemas.microsoft.com/office/drawing/2010/main" showMasterSp="1" showMasterPhAnim="1">
+<p:sld xmlns:a="http://schemas.openxmlformats.org/drawingml/2006/main" xmlns:r="http://schemas.openxmlformats.org/officeDocument/2006/relationships" xmlns:p="http://schemas.openxmlformats.org/presentationml/2006/main">
   <p:cSld>
     <p:spTree>
       <p:nvGrpSpPr>
@@ -5828,7 +6053,7 @@
           </a:ln>
           <a:extLst>
             <a:ext uri="{C572A759-6A51-4108-AA02-DFA0A04FC94B}">
-              <ma14:wrappingTextBoxFlag xmlns:ma14="http://schemas.microsoft.com/office/mac/drawingml/2011/main" val="1"/>
+              <ma14:wrappingTextBoxFlag xmlns:ma14="http://schemas.microsoft.com/office/mac/drawingml/2011/main" xmlns:a14="http://schemas.microsoft.com/office/drawing/2010/main" xmlns:m="http://schemas.openxmlformats.org/officeDocument/2006/math" xmlns="" val="1"/>
             </a:ext>
           </a:extLst>
         </p:spPr>
@@ -5838,7 +6063,7 @@
           </a:bodyPr>
           <a:lstStyle>
             <a:lvl1pPr>
-              <a:defRPr b="1" sz="3200">
+              <a:defRPr sz="3200" b="1">
                 <a:solidFill>
                   <a:srgbClr val="1A1A1A"/>
                 </a:solidFill>
@@ -5850,7 +6075,6 @@
             </a:lvl1pPr>
           </a:lstStyle>
           <a:p>
-            <a:pPr/>
             <a:r>
               <a:t>Random Numbers Functions </a:t>
             </a:r>
@@ -5876,7 +6100,7 @@
           </a:ln>
           <a:extLst>
             <a:ext uri="{C572A759-6A51-4108-AA02-DFA0A04FC94B}">
-              <ma14:wrappingTextBoxFlag xmlns:ma14="http://schemas.microsoft.com/office/mac/drawingml/2011/main" val="1"/>
+              <ma14:wrappingTextBoxFlag xmlns:ma14="http://schemas.microsoft.com/office/mac/drawingml/2011/main" xmlns:a14="http://schemas.microsoft.com/office/drawing/2010/main" xmlns:m="http://schemas.openxmlformats.org/officeDocument/2006/math" xmlns="" val="1"/>
             </a:ext>
           </a:extLst>
         </p:spPr>
@@ -5886,7 +6110,7 @@
           </a:bodyPr>
           <a:lstStyle>
             <a:lvl1pPr>
-              <a:defRPr b="1" sz="3200">
+              <a:defRPr sz="3200" b="1">
                 <a:solidFill>
                   <a:srgbClr val="1A1A1A"/>
                 </a:solidFill>
@@ -5898,7 +6122,6 @@
             </a:lvl1pPr>
           </a:lstStyle>
           <a:p>
-            <a:pPr/>
             <a:r>
               <a:t>Import random</a:t>
             </a:r>
@@ -5910,12 +6133,19 @@
   <p:clrMapOvr>
     <a:masterClrMapping/>
   </p:clrMapOvr>
-  <p:transition xmlns:p14="http://schemas.microsoft.com/office/powerpoint/2010/main" spd="med" advClick="1"/>
+  <p:transition spd="med"/>
+  <p:timing>
+    <p:tnLst>
+      <p:par>
+        <p:cTn id="1" dur="indefinite" restart="never" nodeType="tmRoot"/>
+      </p:par>
+    </p:tnLst>
+  </p:timing>
 </p:sld>
 </file>
 
 <file path=ppt/theme/theme1.xml><?xml version="1.0" encoding="utf-8"?>
-<a:theme xmlns:a="http://schemas.openxmlformats.org/drawingml/2006/main" xmlns:r="http://schemas.openxmlformats.org/officeDocument/2006/relationships" name="Streamline">
+<a:theme xmlns:a="http://schemas.openxmlformats.org/drawingml/2006/main" name="Streamline">
   <a:themeElements>
     <a:clrScheme name="Streamline">
       <a:dk1>
@@ -6041,7 +6271,7 @@
       <a:effectStyleLst>
         <a:effectStyle>
           <a:effectLst>
-            <a:outerShdw sx="100000" sy="100000" kx="0" ky="0" algn="b" rotWithShape="0" blurRad="38100" dist="23000" dir="5400000">
+            <a:outerShdw blurRad="38100" dist="23000" dir="5400000" rotWithShape="0">
               <a:srgbClr val="000000">
                 <a:alpha val="35000"/>
               </a:srgbClr>
@@ -6050,7 +6280,7 @@
         </a:effectStyle>
         <a:effectStyle>
           <a:effectLst>
-            <a:outerShdw sx="100000" sy="100000" kx="0" ky="0" algn="b" rotWithShape="0" blurRad="38100" dist="23000" dir="5400000">
+            <a:outerShdw blurRad="38100" dist="23000" dir="5400000" rotWithShape="0">
               <a:srgbClr val="000000">
                 <a:alpha val="35000"/>
               </a:srgbClr>
@@ -6059,7 +6289,7 @@
         </a:effectStyle>
         <a:effectStyle>
           <a:effectLst>
-            <a:outerShdw sx="100000" sy="100000" kx="0" ky="0" algn="b" rotWithShape="0" blurRad="38100" dist="23000" dir="5400000">
+            <a:outerShdw blurRad="38100" dist="23000" dir="5400000" rotWithShape="0">
               <a:srgbClr val="000000">
                 <a:alpha val="35000"/>
               </a:srgbClr>
@@ -6133,7 +6363,7 @@
           <a:round/>
         </a:ln>
         <a:effectLst>
-          <a:outerShdw sx="100000" sy="100000" kx="0" ky="0" algn="b" rotWithShape="0" blurRad="38100" dist="23000" dir="5400000">
+          <a:outerShdw blurRad="38100" dist="23000" dir="5400000" rotWithShape="0">
             <a:srgbClr val="000000">
               <a:alpha val="35000"/>
             </a:srgbClr>
@@ -6141,7 +6371,7 @@
         </a:effectLst>
         <a:sp3d/>
       </a:spPr>
-      <a:bodyPr rot="0" spcFirstLastPara="1" vertOverflow="overflow" horzOverflow="overflow" vert="horz" wrap="square" lIns="45718" tIns="45718" rIns="45718" bIns="45718" numCol="1" spcCol="38100" rtlCol="0" anchor="ctr" upright="0">
+      <a:bodyPr rot="0" spcFirstLastPara="1" vertOverflow="overflow" horzOverflow="overflow" vert="horz" wrap="square" lIns="45718" tIns="45718" rIns="45718" bIns="45718" numCol="1" spcCol="38100" rtlCol="0" anchor="ctr">
         <a:spAutoFit/>
       </a:bodyPr>
       <a:lstStyle>
@@ -6160,7 +6390,7 @@
           <a:buFontTx/>
           <a:buNone/>
           <a:tabLst/>
-          <a:defRPr b="0" baseline="0" cap="none" i="0" spc="0" strike="noStrike" sz="1400" u="none" kumimoji="0" normalizeH="0">
+          <a:defRPr kumimoji="0" sz="1400" b="0" i="0" u="none" strike="noStrike" cap="none" spc="0" normalizeH="0" baseline="0">
             <a:ln>
               <a:noFill/>
             </a:ln>
@@ -6190,7 +6420,7 @@
           <a:buFontTx/>
           <a:buNone/>
           <a:tabLst/>
-          <a:defRPr b="0" baseline="0" cap="none" i="0" spc="0" strike="noStrike" sz="1800" u="none" kumimoji="0" normalizeH="0">
+          <a:defRPr kumimoji="0" sz="1800" b="0" i="0" u="none" strike="noStrike" cap="none" spc="0" normalizeH="0" baseline="0">
             <a:ln>
               <a:noFill/>
             </a:ln>
@@ -6216,7 +6446,7 @@
           <a:buFontTx/>
           <a:buNone/>
           <a:tabLst/>
-          <a:defRPr b="0" baseline="0" cap="none" i="0" spc="0" strike="noStrike" sz="1800" u="none" kumimoji="0" normalizeH="0">
+          <a:defRPr kumimoji="0" sz="1800" b="0" i="0" u="none" strike="noStrike" cap="none" spc="0" normalizeH="0" baseline="0">
             <a:ln>
               <a:noFill/>
             </a:ln>
@@ -6242,7 +6472,7 @@
           <a:buFontTx/>
           <a:buNone/>
           <a:tabLst/>
-          <a:defRPr b="0" baseline="0" cap="none" i="0" spc="0" strike="noStrike" sz="1800" u="none" kumimoji="0" normalizeH="0">
+          <a:defRPr kumimoji="0" sz="1800" b="0" i="0" u="none" strike="noStrike" cap="none" spc="0" normalizeH="0" baseline="0">
             <a:ln>
               <a:noFill/>
             </a:ln>
@@ -6268,7 +6498,7 @@
           <a:buFontTx/>
           <a:buNone/>
           <a:tabLst/>
-          <a:defRPr b="0" baseline="0" cap="none" i="0" spc="0" strike="noStrike" sz="1800" u="none" kumimoji="0" normalizeH="0">
+          <a:defRPr kumimoji="0" sz="1800" b="0" i="0" u="none" strike="noStrike" cap="none" spc="0" normalizeH="0" baseline="0">
             <a:ln>
               <a:noFill/>
             </a:ln>
@@ -6294,7 +6524,7 @@
           <a:buFontTx/>
           <a:buNone/>
           <a:tabLst/>
-          <a:defRPr b="0" baseline="0" cap="none" i="0" spc="0" strike="noStrike" sz="1800" u="none" kumimoji="0" normalizeH="0">
+          <a:defRPr kumimoji="0" sz="1800" b="0" i="0" u="none" strike="noStrike" cap="none" spc="0" normalizeH="0" baseline="0">
             <a:ln>
               <a:noFill/>
             </a:ln>
@@ -6320,7 +6550,7 @@
           <a:buFontTx/>
           <a:buNone/>
           <a:tabLst/>
-          <a:defRPr b="0" baseline="0" cap="none" i="0" spc="0" strike="noStrike" sz="1800" u="none" kumimoji="0" normalizeH="0">
+          <a:defRPr kumimoji="0" sz="1800" b="0" i="0" u="none" strike="noStrike" cap="none" spc="0" normalizeH="0" baseline="0">
             <a:ln>
               <a:noFill/>
             </a:ln>
@@ -6346,7 +6576,7 @@
           <a:buFontTx/>
           <a:buNone/>
           <a:tabLst/>
-          <a:defRPr b="0" baseline="0" cap="none" i="0" spc="0" strike="noStrike" sz="1800" u="none" kumimoji="0" normalizeH="0">
+          <a:defRPr kumimoji="0" sz="1800" b="0" i="0" u="none" strike="noStrike" cap="none" spc="0" normalizeH="0" baseline="0">
             <a:ln>
               <a:noFill/>
             </a:ln>
@@ -6372,7 +6602,7 @@
           <a:buFontTx/>
           <a:buNone/>
           <a:tabLst/>
-          <a:defRPr b="0" baseline="0" cap="none" i="0" spc="0" strike="noStrike" sz="1800" u="none" kumimoji="0" normalizeH="0">
+          <a:defRPr kumimoji="0" sz="1800" b="0" i="0" u="none" strike="noStrike" cap="none" spc="0" normalizeH="0" baseline="0">
             <a:ln>
               <a:noFill/>
             </a:ln>
@@ -6398,7 +6628,7 @@
           <a:buFontTx/>
           <a:buNone/>
           <a:tabLst/>
-          <a:defRPr b="0" baseline="0" cap="none" i="0" spc="0" strike="noStrike" sz="1800" u="none" kumimoji="0" normalizeH="0">
+          <a:defRPr kumimoji="0" sz="1800" b="0" i="0" u="none" strike="noStrike" cap="none" spc="0" normalizeH="0" baseline="0">
             <a:ln>
               <a:noFill/>
             </a:ln>
@@ -6411,9 +6641,15 @@
         </a:lvl9pPr>
       </a:lstStyle>
       <a:style>
-        <a:lnRef idx="0"/>
-        <a:fillRef idx="0"/>
-        <a:effectRef idx="0"/>
+        <a:lnRef idx="0">
+          <a:scrgbClr r="0" g="0" b="0"/>
+        </a:lnRef>
+        <a:fillRef idx="0">
+          <a:scrgbClr r="0" g="0" b="0"/>
+        </a:fillRef>
+        <a:effectRef idx="0">
+          <a:scrgbClr r="0" g="0" b="0"/>
+        </a:effectRef>
         <a:fontRef idx="none"/>
       </a:style>
     </a:spDef>
@@ -6428,7 +6664,7 @@
           <a:round/>
         </a:ln>
         <a:effectLst>
-          <a:outerShdw sx="100000" sy="100000" kx="0" ky="0" algn="b" rotWithShape="0" blurRad="38100" dist="23000" dir="5400000">
+          <a:outerShdw blurRad="38100" dist="23000" dir="5400000" rotWithShape="0">
             <a:srgbClr val="000000">
               <a:alpha val="35000"/>
             </a:srgbClr>
@@ -6436,7 +6672,7 @@
         </a:effectLst>
         <a:sp3d/>
       </a:spPr>
-      <a:bodyPr rot="0" spcFirstLastPara="1" vertOverflow="overflow" horzOverflow="overflow" vert="horz" wrap="square" lIns="91439" tIns="45719" rIns="91439" bIns="45719" numCol="1" spcCol="38100" rtlCol="0" anchor="t" upright="0">
+      <a:bodyPr rot="0" spcFirstLastPara="1" vertOverflow="overflow" horzOverflow="overflow" vert="horz" wrap="square" lIns="91439" tIns="45719" rIns="91439" bIns="45719" numCol="1" spcCol="38100" rtlCol="0" anchor="t">
         <a:noAutofit/>
       </a:bodyPr>
       <a:lstStyle>
@@ -6455,7 +6691,7 @@
           <a:buFontTx/>
           <a:buNone/>
           <a:tabLst/>
-          <a:defRPr b="0" baseline="0" cap="none" i="0" spc="0" strike="noStrike" sz="1800" u="none" kumimoji="0" normalizeH="0">
+          <a:defRPr kumimoji="0" sz="1800" b="0" i="0" u="none" strike="noStrike" cap="none" spc="0" normalizeH="0" baseline="0">
             <a:ln>
               <a:noFill/>
             </a:ln>
@@ -6481,7 +6717,7 @@
           <a:buFontTx/>
           <a:buNone/>
           <a:tabLst/>
-          <a:defRPr b="0" baseline="0" cap="none" i="0" spc="0" strike="noStrike" sz="1800" u="none" kumimoji="0" normalizeH="0">
+          <a:defRPr kumimoji="0" sz="1800" b="0" i="0" u="none" strike="noStrike" cap="none" spc="0" normalizeH="0" baseline="0">
             <a:ln>
               <a:noFill/>
             </a:ln>
@@ -6507,7 +6743,7 @@
           <a:buFontTx/>
           <a:buNone/>
           <a:tabLst/>
-          <a:defRPr b="0" baseline="0" cap="none" i="0" spc="0" strike="noStrike" sz="1800" u="none" kumimoji="0" normalizeH="0">
+          <a:defRPr kumimoji="0" sz="1800" b="0" i="0" u="none" strike="noStrike" cap="none" spc="0" normalizeH="0" baseline="0">
             <a:ln>
               <a:noFill/>
             </a:ln>
@@ -6533,7 +6769,7 @@
           <a:buFontTx/>
           <a:buNone/>
           <a:tabLst/>
-          <a:defRPr b="0" baseline="0" cap="none" i="0" spc="0" strike="noStrike" sz="1800" u="none" kumimoji="0" normalizeH="0">
+          <a:defRPr kumimoji="0" sz="1800" b="0" i="0" u="none" strike="noStrike" cap="none" spc="0" normalizeH="0" baseline="0">
             <a:ln>
               <a:noFill/>
             </a:ln>
@@ -6559,7 +6795,7 @@
           <a:buFontTx/>
           <a:buNone/>
           <a:tabLst/>
-          <a:defRPr b="0" baseline="0" cap="none" i="0" spc="0" strike="noStrike" sz="1800" u="none" kumimoji="0" normalizeH="0">
+          <a:defRPr kumimoji="0" sz="1800" b="0" i="0" u="none" strike="noStrike" cap="none" spc="0" normalizeH="0" baseline="0">
             <a:ln>
               <a:noFill/>
             </a:ln>
@@ -6585,7 +6821,7 @@
           <a:buFontTx/>
           <a:buNone/>
           <a:tabLst/>
-          <a:defRPr b="0" baseline="0" cap="none" i="0" spc="0" strike="noStrike" sz="1800" u="none" kumimoji="0" normalizeH="0">
+          <a:defRPr kumimoji="0" sz="1800" b="0" i="0" u="none" strike="noStrike" cap="none" spc="0" normalizeH="0" baseline="0">
             <a:ln>
               <a:noFill/>
             </a:ln>
@@ -6611,7 +6847,7 @@
           <a:buFontTx/>
           <a:buNone/>
           <a:tabLst/>
-          <a:defRPr b="0" baseline="0" cap="none" i="0" spc="0" strike="noStrike" sz="1800" u="none" kumimoji="0" normalizeH="0">
+          <a:defRPr kumimoji="0" sz="1800" b="0" i="0" u="none" strike="noStrike" cap="none" spc="0" normalizeH="0" baseline="0">
             <a:ln>
               <a:noFill/>
             </a:ln>
@@ -6637,7 +6873,7 @@
           <a:buFontTx/>
           <a:buNone/>
           <a:tabLst/>
-          <a:defRPr b="0" baseline="0" cap="none" i="0" spc="0" strike="noStrike" sz="1800" u="none" kumimoji="0" normalizeH="0">
+          <a:defRPr kumimoji="0" sz="1800" b="0" i="0" u="none" strike="noStrike" cap="none" spc="0" normalizeH="0" baseline="0">
             <a:ln>
               <a:noFill/>
             </a:ln>
@@ -6663,7 +6899,7 @@
           <a:buFontTx/>
           <a:buNone/>
           <a:tabLst/>
-          <a:defRPr b="0" baseline="0" cap="none" i="0" spc="0" strike="noStrike" sz="1800" u="none" kumimoji="0" normalizeH="0">
+          <a:defRPr kumimoji="0" sz="1800" b="0" i="0" u="none" strike="noStrike" cap="none" spc="0" normalizeH="0" baseline="0">
             <a:ln>
               <a:noFill/>
             </a:ln>
@@ -6689,7 +6925,7 @@
           <a:buFontTx/>
           <a:buNone/>
           <a:tabLst/>
-          <a:defRPr b="0" baseline="0" cap="none" i="0" spc="0" strike="noStrike" sz="1800" u="none" kumimoji="0" normalizeH="0">
+          <a:defRPr kumimoji="0" sz="1800" b="0" i="0" u="none" strike="noStrike" cap="none" spc="0" normalizeH="0" baseline="0">
             <a:ln>
               <a:noFill/>
             </a:ln>
@@ -6702,9 +6938,15 @@
         </a:lvl9pPr>
       </a:lstStyle>
       <a:style>
-        <a:lnRef idx="0"/>
-        <a:fillRef idx="0"/>
-        <a:effectRef idx="0"/>
+        <a:lnRef idx="0">
+          <a:scrgbClr r="0" g="0" b="0"/>
+        </a:lnRef>
+        <a:fillRef idx="0">
+          <a:scrgbClr r="0" g="0" b="0"/>
+        </a:fillRef>
+        <a:effectRef idx="0">
+          <a:scrgbClr r="0" g="0" b="0"/>
+        </a:effectRef>
         <a:fontRef idx="none"/>
       </a:style>
     </a:lnDef>
@@ -6718,7 +6960,7 @@
         <a:effectLst/>
         <a:sp3d/>
       </a:spPr>
-      <a:bodyPr rot="0" spcFirstLastPara="1" vertOverflow="overflow" horzOverflow="overflow" vert="horz" wrap="square" lIns="45718" tIns="45718" rIns="45718" bIns="45718" numCol="1" spcCol="38100" rtlCol="0" anchor="t" upright="0">
+      <a:bodyPr rot="0" spcFirstLastPara="1" vertOverflow="overflow" horzOverflow="overflow" vert="horz" wrap="square" lIns="45718" tIns="45718" rIns="45718" bIns="45718" numCol="1" spcCol="38100" rtlCol="0" anchor="t">
         <a:spAutoFit/>
       </a:bodyPr>
       <a:lstStyle>
@@ -6737,7 +6979,7 @@
           <a:buFontTx/>
           <a:buNone/>
           <a:tabLst/>
-          <a:defRPr b="0" baseline="0" cap="none" i="0" spc="0" strike="noStrike" sz="1400" u="none" kumimoji="0" normalizeH="0">
+          <a:defRPr kumimoji="0" sz="1400" b="0" i="0" u="none" strike="noStrike" cap="none" spc="0" normalizeH="0" baseline="0">
             <a:ln>
               <a:noFill/>
             </a:ln>
@@ -6767,7 +7009,7 @@
           <a:buFontTx/>
           <a:buNone/>
           <a:tabLst/>
-          <a:defRPr b="0" baseline="0" cap="none" i="0" spc="0" strike="noStrike" sz="1800" u="none" kumimoji="0" normalizeH="0">
+          <a:defRPr kumimoji="0" sz="1800" b="0" i="0" u="none" strike="noStrike" cap="none" spc="0" normalizeH="0" baseline="0">
             <a:ln>
               <a:noFill/>
             </a:ln>
@@ -6793,7 +7035,7 @@
           <a:buFontTx/>
           <a:buNone/>
           <a:tabLst/>
-          <a:defRPr b="0" baseline="0" cap="none" i="0" spc="0" strike="noStrike" sz="1800" u="none" kumimoji="0" normalizeH="0">
+          <a:defRPr kumimoji="0" sz="1800" b="0" i="0" u="none" strike="noStrike" cap="none" spc="0" normalizeH="0" baseline="0">
             <a:ln>
               <a:noFill/>
             </a:ln>
@@ -6819,7 +7061,7 @@
           <a:buFontTx/>
           <a:buNone/>
           <a:tabLst/>
-          <a:defRPr b="0" baseline="0" cap="none" i="0" spc="0" strike="noStrike" sz="1800" u="none" kumimoji="0" normalizeH="0">
+          <a:defRPr kumimoji="0" sz="1800" b="0" i="0" u="none" strike="noStrike" cap="none" spc="0" normalizeH="0" baseline="0">
             <a:ln>
               <a:noFill/>
             </a:ln>
@@ -6845,7 +7087,7 @@
           <a:buFontTx/>
           <a:buNone/>
           <a:tabLst/>
-          <a:defRPr b="0" baseline="0" cap="none" i="0" spc="0" strike="noStrike" sz="1800" u="none" kumimoji="0" normalizeH="0">
+          <a:defRPr kumimoji="0" sz="1800" b="0" i="0" u="none" strike="noStrike" cap="none" spc="0" normalizeH="0" baseline="0">
             <a:ln>
               <a:noFill/>
             </a:ln>
@@ -6871,7 +7113,7 @@
           <a:buFontTx/>
           <a:buNone/>
           <a:tabLst/>
-          <a:defRPr b="0" baseline="0" cap="none" i="0" spc="0" strike="noStrike" sz="1800" u="none" kumimoji="0" normalizeH="0">
+          <a:defRPr kumimoji="0" sz="1800" b="0" i="0" u="none" strike="noStrike" cap="none" spc="0" normalizeH="0" baseline="0">
             <a:ln>
               <a:noFill/>
             </a:ln>
@@ -6897,7 +7139,7 @@
           <a:buFontTx/>
           <a:buNone/>
           <a:tabLst/>
-          <a:defRPr b="0" baseline="0" cap="none" i="0" spc="0" strike="noStrike" sz="1800" u="none" kumimoji="0" normalizeH="0">
+          <a:defRPr kumimoji="0" sz="1800" b="0" i="0" u="none" strike="noStrike" cap="none" spc="0" normalizeH="0" baseline="0">
             <a:ln>
               <a:noFill/>
             </a:ln>
@@ -6923,7 +7165,7 @@
           <a:buFontTx/>
           <a:buNone/>
           <a:tabLst/>
-          <a:defRPr b="0" baseline="0" cap="none" i="0" spc="0" strike="noStrike" sz="1800" u="none" kumimoji="0" normalizeH="0">
+          <a:defRPr kumimoji="0" sz="1800" b="0" i="0" u="none" strike="noStrike" cap="none" spc="0" normalizeH="0" baseline="0">
             <a:ln>
               <a:noFill/>
             </a:ln>
@@ -6949,7 +7191,7 @@
           <a:buFontTx/>
           <a:buNone/>
           <a:tabLst/>
-          <a:defRPr b="0" baseline="0" cap="none" i="0" spc="0" strike="noStrike" sz="1800" u="none" kumimoji="0" normalizeH="0">
+          <a:defRPr kumimoji="0" sz="1800" b="0" i="0" u="none" strike="noStrike" cap="none" spc="0" normalizeH="0" baseline="0">
             <a:ln>
               <a:noFill/>
             </a:ln>
@@ -6975,7 +7217,7 @@
           <a:buFontTx/>
           <a:buNone/>
           <a:tabLst/>
-          <a:defRPr b="0" baseline="0" cap="none" i="0" spc="0" strike="noStrike" sz="1800" u="none" kumimoji="0" normalizeH="0">
+          <a:defRPr kumimoji="0" sz="1800" b="0" i="0" u="none" strike="noStrike" cap="none" spc="0" normalizeH="0" baseline="0">
             <a:ln>
               <a:noFill/>
             </a:ln>
@@ -6988,18 +7230,25 @@
         </a:lvl9pPr>
       </a:lstStyle>
       <a:style>
-        <a:lnRef idx="0"/>
-        <a:fillRef idx="0"/>
-        <a:effectRef idx="0"/>
+        <a:lnRef idx="0">
+          <a:scrgbClr r="0" g="0" b="0"/>
+        </a:lnRef>
+        <a:fillRef idx="0">
+          <a:scrgbClr r="0" g="0" b="0"/>
+        </a:fillRef>
+        <a:effectRef idx="0">
+          <a:scrgbClr r="0" g="0" b="0"/>
+        </a:effectRef>
         <a:fontRef idx="none"/>
       </a:style>
     </a:txDef>
   </a:objectDefaults>
+  <a:extraClrSchemeLst/>
 </a:theme>
 </file>
 
 <file path=ppt/theme/theme2.xml><?xml version="1.0" encoding="utf-8"?>
-<a:theme xmlns:a="http://schemas.openxmlformats.org/drawingml/2006/main" xmlns:r="http://schemas.openxmlformats.org/officeDocument/2006/relationships" name="Streamline">
+<a:theme xmlns:a="http://schemas.openxmlformats.org/drawingml/2006/main" name="Streamline">
   <a:themeElements>
     <a:clrScheme name="Streamline">
       <a:dk1>
@@ -7125,7 +7374,7 @@
       <a:effectStyleLst>
         <a:effectStyle>
           <a:effectLst>
-            <a:outerShdw sx="100000" sy="100000" kx="0" ky="0" algn="b" rotWithShape="0" blurRad="38100" dist="23000" dir="5400000">
+            <a:outerShdw blurRad="38100" dist="23000" dir="5400000" rotWithShape="0">
               <a:srgbClr val="000000">
                 <a:alpha val="35000"/>
               </a:srgbClr>
@@ -7134,7 +7383,7 @@
         </a:effectStyle>
         <a:effectStyle>
           <a:effectLst>
-            <a:outerShdw sx="100000" sy="100000" kx="0" ky="0" algn="b" rotWithShape="0" blurRad="38100" dist="23000" dir="5400000">
+            <a:outerShdw blurRad="38100" dist="23000" dir="5400000" rotWithShape="0">
               <a:srgbClr val="000000">
                 <a:alpha val="35000"/>
               </a:srgbClr>
@@ -7143,7 +7392,7 @@
         </a:effectStyle>
         <a:effectStyle>
           <a:effectLst>
-            <a:outerShdw sx="100000" sy="100000" kx="0" ky="0" algn="b" rotWithShape="0" blurRad="38100" dist="23000" dir="5400000">
+            <a:outerShdw blurRad="38100" dist="23000" dir="5400000" rotWithShape="0">
               <a:srgbClr val="000000">
                 <a:alpha val="35000"/>
               </a:srgbClr>
@@ -7217,7 +7466,7 @@
           <a:round/>
         </a:ln>
         <a:effectLst>
-          <a:outerShdw sx="100000" sy="100000" kx="0" ky="0" algn="b" rotWithShape="0" blurRad="38100" dist="23000" dir="5400000">
+          <a:outerShdw blurRad="38100" dist="23000" dir="5400000" rotWithShape="0">
             <a:srgbClr val="000000">
               <a:alpha val="35000"/>
             </a:srgbClr>
@@ -7225,7 +7474,7 @@
         </a:effectLst>
         <a:sp3d/>
       </a:spPr>
-      <a:bodyPr rot="0" spcFirstLastPara="1" vertOverflow="overflow" horzOverflow="overflow" vert="horz" wrap="square" lIns="45718" tIns="45718" rIns="45718" bIns="45718" numCol="1" spcCol="38100" rtlCol="0" anchor="ctr" upright="0">
+      <a:bodyPr rot="0" spcFirstLastPara="1" vertOverflow="overflow" horzOverflow="overflow" vert="horz" wrap="square" lIns="45718" tIns="45718" rIns="45718" bIns="45718" numCol="1" spcCol="38100" rtlCol="0" anchor="ctr">
         <a:spAutoFit/>
       </a:bodyPr>
       <a:lstStyle>
@@ -7244,7 +7493,7 @@
           <a:buFontTx/>
           <a:buNone/>
           <a:tabLst/>
-          <a:defRPr b="0" baseline="0" cap="none" i="0" spc="0" strike="noStrike" sz="1400" u="none" kumimoji="0" normalizeH="0">
+          <a:defRPr kumimoji="0" sz="1400" b="0" i="0" u="none" strike="noStrike" cap="none" spc="0" normalizeH="0" baseline="0">
             <a:ln>
               <a:noFill/>
             </a:ln>
@@ -7274,7 +7523,7 @@
           <a:buFontTx/>
           <a:buNone/>
           <a:tabLst/>
-          <a:defRPr b="0" baseline="0" cap="none" i="0" spc="0" strike="noStrike" sz="1800" u="none" kumimoji="0" normalizeH="0">
+          <a:defRPr kumimoji="0" sz="1800" b="0" i="0" u="none" strike="noStrike" cap="none" spc="0" normalizeH="0" baseline="0">
             <a:ln>
               <a:noFill/>
             </a:ln>
@@ -7300,7 +7549,7 @@
           <a:buFontTx/>
           <a:buNone/>
           <a:tabLst/>
-          <a:defRPr b="0" baseline="0" cap="none" i="0" spc="0" strike="noStrike" sz="1800" u="none" kumimoji="0" normalizeH="0">
+          <a:defRPr kumimoji="0" sz="1800" b="0" i="0" u="none" strike="noStrike" cap="none" spc="0" normalizeH="0" baseline="0">
             <a:ln>
               <a:noFill/>
             </a:ln>
@@ -7326,7 +7575,7 @@
           <a:buFontTx/>
           <a:buNone/>
           <a:tabLst/>
-          <a:defRPr b="0" baseline="0" cap="none" i="0" spc="0" strike="noStrike" sz="1800" u="none" kumimoji="0" normalizeH="0">
+          <a:defRPr kumimoji="0" sz="1800" b="0" i="0" u="none" strike="noStrike" cap="none" spc="0" normalizeH="0" baseline="0">
             <a:ln>
               <a:noFill/>
             </a:ln>
@@ -7352,7 +7601,7 @@
           <a:buFontTx/>
           <a:buNone/>
           <a:tabLst/>
-          <a:defRPr b="0" baseline="0" cap="none" i="0" spc="0" strike="noStrike" sz="1800" u="none" kumimoji="0" normalizeH="0">
+          <a:defRPr kumimoji="0" sz="1800" b="0" i="0" u="none" strike="noStrike" cap="none" spc="0" normalizeH="0" baseline="0">
             <a:ln>
               <a:noFill/>
             </a:ln>
@@ -7378,7 +7627,7 @@
           <a:buFontTx/>
           <a:buNone/>
           <a:tabLst/>
-          <a:defRPr b="0" baseline="0" cap="none" i="0" spc="0" strike="noStrike" sz="1800" u="none" kumimoji="0" normalizeH="0">
+          <a:defRPr kumimoji="0" sz="1800" b="0" i="0" u="none" strike="noStrike" cap="none" spc="0" normalizeH="0" baseline="0">
             <a:ln>
               <a:noFill/>
             </a:ln>
@@ -7404,7 +7653,7 @@
           <a:buFontTx/>
           <a:buNone/>
           <a:tabLst/>
-          <a:defRPr b="0" baseline="0" cap="none" i="0" spc="0" strike="noStrike" sz="1800" u="none" kumimoji="0" normalizeH="0">
+          <a:defRPr kumimoji="0" sz="1800" b="0" i="0" u="none" strike="noStrike" cap="none" spc="0" normalizeH="0" baseline="0">
             <a:ln>
               <a:noFill/>
             </a:ln>
@@ -7430,7 +7679,7 @@
           <a:buFontTx/>
           <a:buNone/>
           <a:tabLst/>
-          <a:defRPr b="0" baseline="0" cap="none" i="0" spc="0" strike="noStrike" sz="1800" u="none" kumimoji="0" normalizeH="0">
+          <a:defRPr kumimoji="0" sz="1800" b="0" i="0" u="none" strike="noStrike" cap="none" spc="0" normalizeH="0" baseline="0">
             <a:ln>
               <a:noFill/>
             </a:ln>
@@ -7456,7 +7705,7 @@
           <a:buFontTx/>
           <a:buNone/>
           <a:tabLst/>
-          <a:defRPr b="0" baseline="0" cap="none" i="0" spc="0" strike="noStrike" sz="1800" u="none" kumimoji="0" normalizeH="0">
+          <a:defRPr kumimoji="0" sz="1800" b="0" i="0" u="none" strike="noStrike" cap="none" spc="0" normalizeH="0" baseline="0">
             <a:ln>
               <a:noFill/>
             </a:ln>
@@ -7482,7 +7731,7 @@
           <a:buFontTx/>
           <a:buNone/>
           <a:tabLst/>
-          <a:defRPr b="0" baseline="0" cap="none" i="0" spc="0" strike="noStrike" sz="1800" u="none" kumimoji="0" normalizeH="0">
+          <a:defRPr kumimoji="0" sz="1800" b="0" i="0" u="none" strike="noStrike" cap="none" spc="0" normalizeH="0" baseline="0">
             <a:ln>
               <a:noFill/>
             </a:ln>
@@ -7495,9 +7744,15 @@
         </a:lvl9pPr>
       </a:lstStyle>
       <a:style>
-        <a:lnRef idx="0"/>
-        <a:fillRef idx="0"/>
-        <a:effectRef idx="0"/>
+        <a:lnRef idx="0">
+          <a:scrgbClr r="0" g="0" b="0"/>
+        </a:lnRef>
+        <a:fillRef idx="0">
+          <a:scrgbClr r="0" g="0" b="0"/>
+        </a:fillRef>
+        <a:effectRef idx="0">
+          <a:scrgbClr r="0" g="0" b="0"/>
+        </a:effectRef>
         <a:fontRef idx="none"/>
       </a:style>
     </a:spDef>
@@ -7512,7 +7767,7 @@
           <a:round/>
         </a:ln>
         <a:effectLst>
-          <a:outerShdw sx="100000" sy="100000" kx="0" ky="0" algn="b" rotWithShape="0" blurRad="38100" dist="23000" dir="5400000">
+          <a:outerShdw blurRad="38100" dist="23000" dir="5400000" rotWithShape="0">
             <a:srgbClr val="000000">
               <a:alpha val="35000"/>
             </a:srgbClr>
@@ -7520,7 +7775,7 @@
         </a:effectLst>
         <a:sp3d/>
       </a:spPr>
-      <a:bodyPr rot="0" spcFirstLastPara="1" vertOverflow="overflow" horzOverflow="overflow" vert="horz" wrap="square" lIns="91439" tIns="45719" rIns="91439" bIns="45719" numCol="1" spcCol="38100" rtlCol="0" anchor="t" upright="0">
+      <a:bodyPr rot="0" spcFirstLastPara="1" vertOverflow="overflow" horzOverflow="overflow" vert="horz" wrap="square" lIns="91439" tIns="45719" rIns="91439" bIns="45719" numCol="1" spcCol="38100" rtlCol="0" anchor="t">
         <a:noAutofit/>
       </a:bodyPr>
       <a:lstStyle>
@@ -7539,7 +7794,7 @@
           <a:buFontTx/>
           <a:buNone/>
           <a:tabLst/>
-          <a:defRPr b="0" baseline="0" cap="none" i="0" spc="0" strike="noStrike" sz="1800" u="none" kumimoji="0" normalizeH="0">
+          <a:defRPr kumimoji="0" sz="1800" b="0" i="0" u="none" strike="noStrike" cap="none" spc="0" normalizeH="0" baseline="0">
             <a:ln>
               <a:noFill/>
             </a:ln>
@@ -7565,7 +7820,7 @@
           <a:buFontTx/>
           <a:buNone/>
           <a:tabLst/>
-          <a:defRPr b="0" baseline="0" cap="none" i="0" spc="0" strike="noStrike" sz="1800" u="none" kumimoji="0" normalizeH="0">
+          <a:defRPr kumimoji="0" sz="1800" b="0" i="0" u="none" strike="noStrike" cap="none" spc="0" normalizeH="0" baseline="0">
             <a:ln>
               <a:noFill/>
             </a:ln>
@@ -7591,7 +7846,7 @@
           <a:buFontTx/>
           <a:buNone/>
           <a:tabLst/>
-          <a:defRPr b="0" baseline="0" cap="none" i="0" spc="0" strike="noStrike" sz="1800" u="none" kumimoji="0" normalizeH="0">
+          <a:defRPr kumimoji="0" sz="1800" b="0" i="0" u="none" strike="noStrike" cap="none" spc="0" normalizeH="0" baseline="0">
             <a:ln>
               <a:noFill/>
             </a:ln>
@@ -7617,7 +7872,7 @@
           <a:buFontTx/>
           <a:buNone/>
           <a:tabLst/>
-          <a:defRPr b="0" baseline="0" cap="none" i="0" spc="0" strike="noStrike" sz="1800" u="none" kumimoji="0" normalizeH="0">
+          <a:defRPr kumimoji="0" sz="1800" b="0" i="0" u="none" strike="noStrike" cap="none" spc="0" normalizeH="0" baseline="0">
             <a:ln>
               <a:noFill/>
             </a:ln>
@@ -7643,7 +7898,7 @@
           <a:buFontTx/>
           <a:buNone/>
           <a:tabLst/>
-          <a:defRPr b="0" baseline="0" cap="none" i="0" spc="0" strike="noStrike" sz="1800" u="none" kumimoji="0" normalizeH="0">
+          <a:defRPr kumimoji="0" sz="1800" b="0" i="0" u="none" strike="noStrike" cap="none" spc="0" normalizeH="0" baseline="0">
             <a:ln>
               <a:noFill/>
             </a:ln>
@@ -7669,7 +7924,7 @@
           <a:buFontTx/>
           <a:buNone/>
           <a:tabLst/>
-          <a:defRPr b="0" baseline="0" cap="none" i="0" spc="0" strike="noStrike" sz="1800" u="none" kumimoji="0" normalizeH="0">
+          <a:defRPr kumimoji="0" sz="1800" b="0" i="0" u="none" strike="noStrike" cap="none" spc="0" normalizeH="0" baseline="0">
             <a:ln>
               <a:noFill/>
             </a:ln>
@@ -7695,7 +7950,7 @@
           <a:buFontTx/>
           <a:buNone/>
           <a:tabLst/>
-          <a:defRPr b="0" baseline="0" cap="none" i="0" spc="0" strike="noStrike" sz="1800" u="none" kumimoji="0" normalizeH="0">
+          <a:defRPr kumimoji="0" sz="1800" b="0" i="0" u="none" strike="noStrike" cap="none" spc="0" normalizeH="0" baseline="0">
             <a:ln>
               <a:noFill/>
             </a:ln>
@@ -7721,7 +7976,7 @@
           <a:buFontTx/>
           <a:buNone/>
           <a:tabLst/>
-          <a:defRPr b="0" baseline="0" cap="none" i="0" spc="0" strike="noStrike" sz="1800" u="none" kumimoji="0" normalizeH="0">
+          <a:defRPr kumimoji="0" sz="1800" b="0" i="0" u="none" strike="noStrike" cap="none" spc="0" normalizeH="0" baseline="0">
             <a:ln>
               <a:noFill/>
             </a:ln>
@@ -7747,7 +8002,7 @@
           <a:buFontTx/>
           <a:buNone/>
           <a:tabLst/>
-          <a:defRPr b="0" baseline="0" cap="none" i="0" spc="0" strike="noStrike" sz="1800" u="none" kumimoji="0" normalizeH="0">
+          <a:defRPr kumimoji="0" sz="1800" b="0" i="0" u="none" strike="noStrike" cap="none" spc="0" normalizeH="0" baseline="0">
             <a:ln>
               <a:noFill/>
             </a:ln>
@@ -7773,7 +8028,7 @@
           <a:buFontTx/>
           <a:buNone/>
           <a:tabLst/>
-          <a:defRPr b="0" baseline="0" cap="none" i="0" spc="0" strike="noStrike" sz="1800" u="none" kumimoji="0" normalizeH="0">
+          <a:defRPr kumimoji="0" sz="1800" b="0" i="0" u="none" strike="noStrike" cap="none" spc="0" normalizeH="0" baseline="0">
             <a:ln>
               <a:noFill/>
             </a:ln>
@@ -7786,9 +8041,15 @@
         </a:lvl9pPr>
       </a:lstStyle>
       <a:style>
-        <a:lnRef idx="0"/>
-        <a:fillRef idx="0"/>
-        <a:effectRef idx="0"/>
+        <a:lnRef idx="0">
+          <a:scrgbClr r="0" g="0" b="0"/>
+        </a:lnRef>
+        <a:fillRef idx="0">
+          <a:scrgbClr r="0" g="0" b="0"/>
+        </a:fillRef>
+        <a:effectRef idx="0">
+          <a:scrgbClr r="0" g="0" b="0"/>
+        </a:effectRef>
         <a:fontRef idx="none"/>
       </a:style>
     </a:lnDef>
@@ -7802,7 +8063,7 @@
         <a:effectLst/>
         <a:sp3d/>
       </a:spPr>
-      <a:bodyPr rot="0" spcFirstLastPara="1" vertOverflow="overflow" horzOverflow="overflow" vert="horz" wrap="square" lIns="45718" tIns="45718" rIns="45718" bIns="45718" numCol="1" spcCol="38100" rtlCol="0" anchor="t" upright="0">
+      <a:bodyPr rot="0" spcFirstLastPara="1" vertOverflow="overflow" horzOverflow="overflow" vert="horz" wrap="square" lIns="45718" tIns="45718" rIns="45718" bIns="45718" numCol="1" spcCol="38100" rtlCol="0" anchor="t">
         <a:spAutoFit/>
       </a:bodyPr>
       <a:lstStyle>
@@ -7821,7 +8082,7 @@
           <a:buFontTx/>
           <a:buNone/>
           <a:tabLst/>
-          <a:defRPr b="0" baseline="0" cap="none" i="0" spc="0" strike="noStrike" sz="1400" u="none" kumimoji="0" normalizeH="0">
+          <a:defRPr kumimoji="0" sz="1400" b="0" i="0" u="none" strike="noStrike" cap="none" spc="0" normalizeH="0" baseline="0">
             <a:ln>
               <a:noFill/>
             </a:ln>
@@ -7851,7 +8112,7 @@
           <a:buFontTx/>
           <a:buNone/>
           <a:tabLst/>
-          <a:defRPr b="0" baseline="0" cap="none" i="0" spc="0" strike="noStrike" sz="1800" u="none" kumimoji="0" normalizeH="0">
+          <a:defRPr kumimoji="0" sz="1800" b="0" i="0" u="none" strike="noStrike" cap="none" spc="0" normalizeH="0" baseline="0">
             <a:ln>
               <a:noFill/>
             </a:ln>
@@ -7877,7 +8138,7 @@
           <a:buFontTx/>
           <a:buNone/>
           <a:tabLst/>
-          <a:defRPr b="0" baseline="0" cap="none" i="0" spc="0" strike="noStrike" sz="1800" u="none" kumimoji="0" normalizeH="0">
+          <a:defRPr kumimoji="0" sz="1800" b="0" i="0" u="none" strike="noStrike" cap="none" spc="0" normalizeH="0" baseline="0">
             <a:ln>
               <a:noFill/>
             </a:ln>
@@ -7903,7 +8164,7 @@
           <a:buFontTx/>
           <a:buNone/>
           <a:tabLst/>
-          <a:defRPr b="0" baseline="0" cap="none" i="0" spc="0" strike="noStrike" sz="1800" u="none" kumimoji="0" normalizeH="0">
+          <a:defRPr kumimoji="0" sz="1800" b="0" i="0" u="none" strike="noStrike" cap="none" spc="0" normalizeH="0" baseline="0">
             <a:ln>
               <a:noFill/>
             </a:ln>
@@ -7929,7 +8190,7 @@
           <a:buFontTx/>
           <a:buNone/>
           <a:tabLst/>
-          <a:defRPr b="0" baseline="0" cap="none" i="0" spc="0" strike="noStrike" sz="1800" u="none" kumimoji="0" normalizeH="0">
+          <a:defRPr kumimoji="0" sz="1800" b="0" i="0" u="none" strike="noStrike" cap="none" spc="0" normalizeH="0" baseline="0">
             <a:ln>
               <a:noFill/>
             </a:ln>
@@ -7955,7 +8216,7 @@
           <a:buFontTx/>
           <a:buNone/>
           <a:tabLst/>
-          <a:defRPr b="0" baseline="0" cap="none" i="0" spc="0" strike="noStrike" sz="1800" u="none" kumimoji="0" normalizeH="0">
+          <a:defRPr kumimoji="0" sz="1800" b="0" i="0" u="none" strike="noStrike" cap="none" spc="0" normalizeH="0" baseline="0">
             <a:ln>
               <a:noFill/>
             </a:ln>
@@ -7981,7 +8242,7 @@
           <a:buFontTx/>
           <a:buNone/>
           <a:tabLst/>
-          <a:defRPr b="0" baseline="0" cap="none" i="0" spc="0" strike="noStrike" sz="1800" u="none" kumimoji="0" normalizeH="0">
+          <a:defRPr kumimoji="0" sz="1800" b="0" i="0" u="none" strike="noStrike" cap="none" spc="0" normalizeH="0" baseline="0">
             <a:ln>
               <a:noFill/>
             </a:ln>
@@ -8007,7 +8268,7 @@
           <a:buFontTx/>
           <a:buNone/>
           <a:tabLst/>
-          <a:defRPr b="0" baseline="0" cap="none" i="0" spc="0" strike="noStrike" sz="1800" u="none" kumimoji="0" normalizeH="0">
+          <a:defRPr kumimoji="0" sz="1800" b="0" i="0" u="none" strike="noStrike" cap="none" spc="0" normalizeH="0" baseline="0">
             <a:ln>
               <a:noFill/>
             </a:ln>
@@ -8033,7 +8294,7 @@
           <a:buFontTx/>
           <a:buNone/>
           <a:tabLst/>
-          <a:defRPr b="0" baseline="0" cap="none" i="0" spc="0" strike="noStrike" sz="1800" u="none" kumimoji="0" normalizeH="0">
+          <a:defRPr kumimoji="0" sz="1800" b="0" i="0" u="none" strike="noStrike" cap="none" spc="0" normalizeH="0" baseline="0">
             <a:ln>
               <a:noFill/>
             </a:ln>
@@ -8059,7 +8320,7 @@
           <a:buFontTx/>
           <a:buNone/>
           <a:tabLst/>
-          <a:defRPr b="0" baseline="0" cap="none" i="0" spc="0" strike="noStrike" sz="1800" u="none" kumimoji="0" normalizeH="0">
+          <a:defRPr kumimoji="0" sz="1800" b="0" i="0" u="none" strike="noStrike" cap="none" spc="0" normalizeH="0" baseline="0">
             <a:ln>
               <a:noFill/>
             </a:ln>
@@ -8072,12 +8333,19 @@
         </a:lvl9pPr>
       </a:lstStyle>
       <a:style>
-        <a:lnRef idx="0"/>
-        <a:fillRef idx="0"/>
-        <a:effectRef idx="0"/>
+        <a:lnRef idx="0">
+          <a:scrgbClr r="0" g="0" b="0"/>
+        </a:lnRef>
+        <a:fillRef idx="0">
+          <a:scrgbClr r="0" g="0" b="0"/>
+        </a:fillRef>
+        <a:effectRef idx="0">
+          <a:scrgbClr r="0" g="0" b="0"/>
+        </a:effectRef>
         <a:fontRef idx="none"/>
       </a:style>
     </a:txDef>
   </a:objectDefaults>
+  <a:extraClrSchemeLst/>
 </a:theme>
 </file>